--- a/SLIDESHOW PROJECT 5.pptx
+++ b/SLIDESHOW PROJECT 5.pptx
@@ -11,10 +11,11 @@
     <p:sldId id="259" r:id="rId8"/>
     <p:sldId id="260" r:id="rId9"/>
     <p:sldId id="265" r:id="rId10"/>
-    <p:sldId id="263" r:id="rId11"/>
-    <p:sldId id="267" r:id="rId12"/>
-    <p:sldId id="266" r:id="rId13"/>
-    <p:sldId id="264" r:id="rId14"/>
+    <p:sldId id="268" r:id="rId11"/>
+    <p:sldId id="263" r:id="rId12"/>
+    <p:sldId id="267" r:id="rId13"/>
+    <p:sldId id="266" r:id="rId14"/>
+    <p:sldId id="264" r:id="rId15"/>
   </p:sldIdLst>
   <p:sldSz cx="12192000" cy="6858000"/>
   <p:notesSz cx="6858000" cy="9144000"/>
@@ -3970,8 +3971,12 @@
           <a:lstStyle/>
           <a:p>
             <a:r>
+              <a:rPr lang="en-US" sz="6000" dirty="0" err="1"/>
+              <a:t>soutenance</a:t>
+            </a:r>
+            <a:r>
               <a:rPr lang="en-US" sz="6000" dirty="0"/>
-              <a:t>SLIDESHOW PROJECT 5</a:t>
+              <a:t> PROJET 5</a:t>
             </a:r>
           </a:p>
         </p:txBody>
@@ -4003,18 +4008,42 @@
           <a:lstStyle/>
           <a:p>
             <a:r>
+              <a:rPr lang="en-US" dirty="0" err="1"/>
+              <a:t>Utiliser</a:t>
+            </a:r>
+            <a:r>
               <a:rPr lang="en-US" dirty="0"/>
-              <a:t>Use public data from openfoodfacts</a:t>
-            </a:r>
-          </a:p>
-          <a:p>
+              <a:t> les </a:t>
+            </a:r>
+            <a:r>
+              <a:rPr lang="en-US" dirty="0" err="1"/>
+              <a:t>données</a:t>
+            </a:r>
             <a:r>
               <a:rPr lang="en-US" dirty="0"/>
-              <a:t>From </a:t>
+              <a:t> </a:t>
             </a:r>
             <a:r>
               <a:rPr lang="en-US" dirty="0" err="1"/>
-              <a:t>mickael</a:t>
+              <a:t>publiques</a:t>
+            </a:r>
+            <a:r>
+              <a:rPr lang="en-US" dirty="0"/>
+              <a:t> de </a:t>
+            </a:r>
+            <a:r>
+              <a:rPr lang="en-US" dirty="0" err="1"/>
+              <a:t>l’open</a:t>
+            </a:r>
+            <a:r>
+              <a:rPr lang="en-US" dirty="0"/>
+              <a:t> food facts</a:t>
+            </a:r>
+          </a:p>
+          <a:p>
+            <a:r>
+              <a:rPr lang="en-US" dirty="0" err="1"/>
+              <a:t>Mickael</a:t>
             </a:r>
             <a:r>
               <a:rPr lang="en-US" dirty="0"/>
@@ -4042,6 +4071,141 @@
 </file>
 
 <file path=ppt/slides/slide10.xml><?xml version="1.0" encoding="utf-8"?>
+<p:sld xmlns:a="http://schemas.openxmlformats.org/drawingml/2006/main" xmlns:r="http://schemas.openxmlformats.org/officeDocument/2006/relationships" xmlns:p="http://schemas.openxmlformats.org/presentationml/2006/main">
+  <p:cSld>
+    <p:spTree>
+      <p:nvGrpSpPr>
+        <p:cNvPr id="1" name=""/>
+        <p:cNvGrpSpPr/>
+        <p:nvPr/>
+      </p:nvGrpSpPr>
+      <p:grpSpPr>
+        <a:xfrm>
+          <a:off x="0" y="0"/>
+          <a:ext cx="0" cy="0"/>
+          <a:chOff x="0" y="0"/>
+          <a:chExt cx="0" cy="0"/>
+        </a:xfrm>
+      </p:grpSpPr>
+      <p:sp>
+        <p:nvSpPr>
+          <p:cNvPr id="2" name="Content Placeholder 1">
+            <a:extLst>
+              <a:ext uri="{FF2B5EF4-FFF2-40B4-BE49-F238E27FC236}">
+                <a16:creationId xmlns:a16="http://schemas.microsoft.com/office/drawing/2014/main" id="{BD902118-13D0-4D1A-B0D6-A5C6417CB10C}"/>
+              </a:ext>
+            </a:extLst>
+          </p:cNvPr>
+          <p:cNvSpPr>
+            <a:spLocks noGrp="1"/>
+          </p:cNvSpPr>
+          <p:nvPr>
+            <p:ph idx="1"/>
+          </p:nvPr>
+        </p:nvSpPr>
+        <p:spPr/>
+        <p:txBody>
+          <a:bodyPr/>
+          <a:lstStyle/>
+          <a:p>
+            <a:endParaRPr lang="fr-FR"/>
+          </a:p>
+        </p:txBody>
+      </p:sp>
+      <p:sp>
+        <p:nvSpPr>
+          <p:cNvPr id="3" name="Text Placeholder 2">
+            <a:extLst>
+              <a:ext uri="{FF2B5EF4-FFF2-40B4-BE49-F238E27FC236}">
+                <a16:creationId xmlns:a16="http://schemas.microsoft.com/office/drawing/2014/main" id="{3FB742EC-2D16-4276-9CBA-6EF07365DA64}"/>
+              </a:ext>
+            </a:extLst>
+          </p:cNvPr>
+          <p:cNvSpPr>
+            <a:spLocks noGrp="1"/>
+          </p:cNvSpPr>
+          <p:nvPr>
+            <p:ph type="body" sz="half" idx="2"/>
+          </p:nvPr>
+        </p:nvSpPr>
+        <p:spPr/>
+        <p:txBody>
+          <a:bodyPr/>
+          <a:lstStyle/>
+          <a:p>
+            <a:pPr marL="285750" indent="-285750">
+              <a:buFont typeface="Arial" panose="020B0604020202020204" pitchFamily="34" charset="0"/>
+              <a:buChar char="•"/>
+            </a:pPr>
+            <a:r>
+              <a:rPr lang="fr-FR" dirty="0" err="1"/>
+              <a:t>Extract</a:t>
+            </a:r>
+            <a:r>
+              <a:rPr lang="fr-FR" dirty="0"/>
+              <a:t> Open Food Fact data </a:t>
+            </a:r>
+            <a:r>
+              <a:rPr lang="fr-FR" dirty="0" err="1"/>
+              <a:t>from</a:t>
+            </a:r>
+            <a:r>
+              <a:rPr lang="fr-FR" dirty="0"/>
+              <a:t> API in JSON format.</a:t>
+            </a:r>
+          </a:p>
+        </p:txBody>
+      </p:sp>
+      <p:sp>
+        <p:nvSpPr>
+          <p:cNvPr id="4" name="Title 3">
+            <a:extLst>
+              <a:ext uri="{FF2B5EF4-FFF2-40B4-BE49-F238E27FC236}">
+                <a16:creationId xmlns:a16="http://schemas.microsoft.com/office/drawing/2014/main" id="{A8A93D01-5CD4-4607-B8A7-1A7BFED9D02B}"/>
+              </a:ext>
+            </a:extLst>
+          </p:cNvPr>
+          <p:cNvSpPr>
+            <a:spLocks noGrp="1"/>
+          </p:cNvSpPr>
+          <p:nvPr>
+            <p:ph type="title"/>
+          </p:nvPr>
+        </p:nvSpPr>
+        <p:spPr/>
+        <p:txBody>
+          <a:bodyPr/>
+          <a:lstStyle/>
+          <a:p>
+            <a:r>
+              <a:rPr lang="fr-FR" dirty="0"/>
+              <a:t>Fill the </a:t>
+            </a:r>
+            <a:r>
+              <a:rPr lang="fr-FR" dirty="0" err="1"/>
+              <a:t>database</a:t>
+            </a:r>
+            <a:r>
+              <a:rPr lang="fr-FR" dirty="0"/>
+              <a:t> </a:t>
+            </a:r>
+          </a:p>
+        </p:txBody>
+      </p:sp>
+    </p:spTree>
+    <p:extLst>
+      <p:ext uri="{BB962C8B-B14F-4D97-AF65-F5344CB8AC3E}">
+        <p14:creationId xmlns:p14="http://schemas.microsoft.com/office/powerpoint/2010/main" val="945258928"/>
+      </p:ext>
+    </p:extLst>
+  </p:cSld>
+  <p:clrMapOvr>
+    <a:masterClrMapping/>
+  </p:clrMapOvr>
+</p:sld>
+</file>
+
+<file path=ppt/slides/slide11.xml><?xml version="1.0" encoding="utf-8"?>
 <p:sld xmlns:a="http://schemas.openxmlformats.org/drawingml/2006/main" xmlns:r="http://schemas.openxmlformats.org/officeDocument/2006/relationships" xmlns:p="http://schemas.openxmlformats.org/presentationml/2006/main">
   <p:cSld>
     <p:spTree>
@@ -4553,8 +4717,12 @@
           <a:lstStyle/>
           <a:p>
             <a:r>
+              <a:rPr lang="en-US" dirty="0" err="1"/>
+              <a:t>avant</a:t>
+            </a:r>
+            <a:r>
               <a:rPr lang="en-US" dirty="0"/>
-              <a:t>Before starting</a:t>
+              <a:t> de commencer</a:t>
             </a:r>
           </a:p>
         </p:txBody>
@@ -4586,6 +4754,16 @@
           <a:lstStyle/>
           <a:p>
             <a:pPr lvl="0"/>
+            <a:r>
+              <a:rPr lang="en-US" dirty="0" err="1">
+                <a:solidFill>
+                  <a:srgbClr val="000000"/>
+                </a:solidFill>
+                <a:ea typeface="Tahoma" panose="020B0604030504040204" pitchFamily="34" charset="0"/>
+                <a:cs typeface="Tahoma" panose="020B0604030504040204" pitchFamily="34" charset="0"/>
+              </a:rPr>
+              <a:t>Penser</a:t>
+            </a:r>
             <a:r>
               <a:rPr lang="en-US" dirty="0">
                 <a:solidFill>
@@ -4594,38 +4772,18 @@
                 <a:ea typeface="Tahoma" panose="020B0604030504040204" pitchFamily="34" charset="0"/>
                 <a:cs typeface="Tahoma" panose="020B0604030504040204" pitchFamily="34" charset="0"/>
               </a:rPr>
-              <a:t>Think and interact using Agile methodology</a:t>
-            </a:r>
-          </a:p>
-          <a:p>
-            <a:r>
-              <a:rPr lang="fr-FR" dirty="0" err="1"/>
-              <a:t>Create</a:t>
-            </a:r>
-            <a:r>
-              <a:rPr lang="fr-FR" dirty="0"/>
-              <a:t> a new repository on </a:t>
-            </a:r>
-            <a:r>
-              <a:rPr lang="fr-FR" dirty="0" err="1"/>
-              <a:t>Github</a:t>
-            </a:r>
-            <a:r>
-              <a:rPr lang="fr-FR" dirty="0"/>
-              <a:t> =</a:t>
-            </a:r>
-          </a:p>
-          <a:p>
-            <a:r>
-              <a:rPr lang="fr-FR" dirty="0">
-                <a:sym typeface="Wingdings" panose="05000000000000000000" pitchFamily="2" charset="2"/>
+              <a:t> et </a:t>
+            </a:r>
+            <a:r>
+              <a:rPr lang="en-US" dirty="0" err="1">
+                <a:solidFill>
+                  <a:srgbClr val="000000"/>
+                </a:solidFill>
+                <a:ea typeface="Tahoma" panose="020B0604030504040204" pitchFamily="34" charset="0"/>
+                <a:cs typeface="Tahoma" panose="020B0604030504040204" pitchFamily="34" charset="0"/>
               </a:rPr>
-              <a:t> https://github.com/Goro-Majima/OpenFoodFacts</a:t>
-            </a:r>
-            <a:endParaRPr lang="fr-FR" dirty="0"/>
-          </a:p>
-          <a:p>
-            <a:pPr lvl="0"/>
+              <a:t>travailler</a:t>
+            </a:r>
             <a:r>
               <a:rPr lang="en-US" dirty="0">
                 <a:solidFill>
@@ -4634,7 +4792,124 @@
                 <a:ea typeface="Tahoma" panose="020B0604030504040204" pitchFamily="34" charset="0"/>
                 <a:cs typeface="Tahoma" panose="020B0604030504040204" pitchFamily="34" charset="0"/>
               </a:rPr>
-              <a:t>Create a virtual environment (.</a:t>
+              <a:t> </a:t>
+            </a:r>
+            <a:r>
+              <a:rPr lang="en-US" dirty="0" err="1">
+                <a:solidFill>
+                  <a:srgbClr val="000000"/>
+                </a:solidFill>
+                <a:ea typeface="Tahoma" panose="020B0604030504040204" pitchFamily="34" charset="0"/>
+                <a:cs typeface="Tahoma" panose="020B0604030504040204" pitchFamily="34" charset="0"/>
+              </a:rPr>
+              <a:t>en</a:t>
+            </a:r>
+            <a:r>
+              <a:rPr lang="en-US" dirty="0">
+                <a:solidFill>
+                  <a:srgbClr val="000000"/>
+                </a:solidFill>
+                <a:ea typeface="Tahoma" panose="020B0604030504040204" pitchFamily="34" charset="0"/>
+                <a:cs typeface="Tahoma" panose="020B0604030504040204" pitchFamily="34" charset="0"/>
+              </a:rPr>
+              <a:t> </a:t>
+            </a:r>
+            <a:r>
+              <a:rPr lang="en-US" dirty="0" err="1">
+                <a:solidFill>
+                  <a:srgbClr val="000000"/>
+                </a:solidFill>
+                <a:ea typeface="Tahoma" panose="020B0604030504040204" pitchFamily="34" charset="0"/>
+                <a:cs typeface="Tahoma" panose="020B0604030504040204" pitchFamily="34" charset="0"/>
+              </a:rPr>
+              <a:t>méthode</a:t>
+            </a:r>
+            <a:r>
+              <a:rPr lang="en-US" dirty="0">
+                <a:solidFill>
+                  <a:srgbClr val="000000"/>
+                </a:solidFill>
+                <a:ea typeface="Tahoma" panose="020B0604030504040204" pitchFamily="34" charset="0"/>
+                <a:cs typeface="Tahoma" panose="020B0604030504040204" pitchFamily="34" charset="0"/>
+              </a:rPr>
+              <a:t> Agile</a:t>
+            </a:r>
+          </a:p>
+          <a:p>
+            <a:r>
+              <a:rPr lang="fr-FR" dirty="0"/>
+              <a:t>Créer un nouveau repository sur </a:t>
+            </a:r>
+            <a:r>
+              <a:rPr lang="fr-FR" dirty="0" err="1"/>
+              <a:t>github</a:t>
+            </a:r>
+            <a:endParaRPr lang="fr-FR" dirty="0"/>
+          </a:p>
+          <a:p>
+            <a:r>
+              <a:rPr lang="fr-FR" dirty="0">
+                <a:sym typeface="Wingdings" panose="05000000000000000000" pitchFamily="2" charset="2"/>
+              </a:rPr>
+              <a:t> https://github.com/Goro-Majima/OpenFoodFacts</a:t>
+            </a:r>
+            <a:endParaRPr lang="fr-FR" dirty="0"/>
+          </a:p>
+          <a:p>
+            <a:pPr lvl="0"/>
+            <a:r>
+              <a:rPr lang="fr-FR" dirty="0"/>
+              <a:t>Créer</a:t>
+            </a:r>
+            <a:r>
+              <a:rPr lang="en-US" dirty="0">
+                <a:solidFill>
+                  <a:srgbClr val="000000"/>
+                </a:solidFill>
+                <a:ea typeface="Tahoma" panose="020B0604030504040204" pitchFamily="34" charset="0"/>
+                <a:cs typeface="Tahoma" panose="020B0604030504040204" pitchFamily="34" charset="0"/>
+              </a:rPr>
+              <a:t> un </a:t>
+            </a:r>
+            <a:r>
+              <a:rPr lang="en-US" dirty="0" err="1">
+                <a:solidFill>
+                  <a:srgbClr val="000000"/>
+                </a:solidFill>
+                <a:ea typeface="Tahoma" panose="020B0604030504040204" pitchFamily="34" charset="0"/>
+                <a:cs typeface="Tahoma" panose="020B0604030504040204" pitchFamily="34" charset="0"/>
+              </a:rPr>
+              <a:t>environement</a:t>
+            </a:r>
+            <a:r>
+              <a:rPr lang="en-US" dirty="0">
+                <a:solidFill>
+                  <a:srgbClr val="000000"/>
+                </a:solidFill>
+                <a:ea typeface="Tahoma" panose="020B0604030504040204" pitchFamily="34" charset="0"/>
+                <a:cs typeface="Tahoma" panose="020B0604030504040204" pitchFamily="34" charset="0"/>
+              </a:rPr>
+              <a:t> </a:t>
+            </a:r>
+            <a:r>
+              <a:rPr lang="en-US" dirty="0" err="1">
+                <a:solidFill>
+                  <a:srgbClr val="000000"/>
+                </a:solidFill>
+                <a:ea typeface="Tahoma" panose="020B0604030504040204" pitchFamily="34" charset="0"/>
+                <a:cs typeface="Tahoma" panose="020B0604030504040204" pitchFamily="34" charset="0"/>
+              </a:rPr>
+              <a:t>virtuel</a:t>
+            </a:r>
+            <a:r>
+              <a:rPr lang="en-US" dirty="0">
+                <a:solidFill>
+                  <a:srgbClr val="000000"/>
+                </a:solidFill>
+                <a:ea typeface="Tahoma" panose="020B0604030504040204" pitchFamily="34" charset="0"/>
+                <a:cs typeface="Tahoma" panose="020B0604030504040204" pitchFamily="34" charset="0"/>
+              </a:rPr>
+              <a:t> (.</a:t>
             </a:r>
             <a:r>
               <a:rPr lang="en-US" dirty="0" err="1">
@@ -4660,6 +4935,16 @@
           <a:p>
             <a:pPr lvl="0"/>
             <a:r>
+              <a:rPr lang="en-US" dirty="0" err="1">
+                <a:solidFill>
+                  <a:srgbClr val="000000"/>
+                </a:solidFill>
+                <a:ea typeface="Tahoma" panose="020B0604030504040204" pitchFamily="34" charset="0"/>
+                <a:cs typeface="Tahoma" panose="020B0604030504040204" pitchFamily="34" charset="0"/>
+              </a:rPr>
+              <a:t>Configurer</a:t>
+            </a:r>
+            <a:r>
               <a:rPr lang="en-US" dirty="0">
                 <a:solidFill>
                   <a:srgbClr val="000000"/>
@@ -4667,23 +4952,11 @@
                 <a:ea typeface="Tahoma" panose="020B0604030504040204" pitchFamily="34" charset="0"/>
                 <a:cs typeface="Tahoma" panose="020B0604030504040204" pitchFamily="34" charset="0"/>
               </a:rPr>
-              <a:t>Set </a:t>
+              <a:t> </a:t>
             </a:r>
             <a:r>
               <a:rPr lang="fr-FR" b="1" i="1" dirty="0"/>
-              <a:t>Visual studio code </a:t>
-            </a:r>
-            <a:r>
-              <a:rPr lang="fr-FR" dirty="0"/>
-              <a:t>as the main </a:t>
-            </a:r>
-            <a:r>
-              <a:rPr lang="fr-FR" dirty="0" err="1"/>
-              <a:t>text</a:t>
-            </a:r>
-            <a:r>
-              <a:rPr lang="fr-FR" dirty="0"/>
-              <a:t> editor</a:t>
+              <a:t>Visual studio code</a:t>
             </a:r>
             <a:endParaRPr lang="en-US" dirty="0">
               <a:solidFill>
@@ -4971,9 +5244,10 @@
           <a:lstStyle/>
           <a:p>
             <a:r>
-              <a:rPr lang="en-US" dirty="0"/>
-              <a:t>Thinking and interacting</a:t>
-            </a:r>
+              <a:rPr lang="en-US" dirty="0" err="1"/>
+              <a:t>sPECIFICATIONS</a:t>
+            </a:r>
+            <a:endParaRPr lang="en-US" dirty="0"/>
           </a:p>
         </p:txBody>
       </p:sp>
@@ -5003,9 +5277,26 @@
               <a:buChar char="•"/>
             </a:pPr>
             <a:r>
+              <a:rPr lang="en-US" dirty="0" err="1"/>
+              <a:t>Définir</a:t>
+            </a:r>
+            <a:r>
               <a:rPr lang="en-US" dirty="0"/>
-              <a:t>Defining the steps and process of the different functions.</a:t>
-            </a:r>
+              <a:t> les </a:t>
+            </a:r>
+            <a:r>
+              <a:rPr lang="en-US" dirty="0" err="1"/>
+              <a:t>étapes</a:t>
+            </a:r>
+            <a:r>
+              <a:rPr lang="en-US" dirty="0"/>
+              <a:t> et les process des </a:t>
+            </a:r>
+            <a:r>
+              <a:rPr lang="en-US" dirty="0" err="1"/>
+              <a:t>fonctions</a:t>
+            </a:r>
+            <a:endParaRPr lang="en-US" dirty="0"/>
           </a:p>
           <a:p>
             <a:pPr marL="285750" indent="-285750">
@@ -5013,24 +5304,8 @@
               <a:buChar char="•"/>
             </a:pPr>
             <a:r>
-              <a:rPr lang="en-US" dirty="0"/>
-              <a:t>Filling </a:t>
-            </a:r>
-            <a:r>
-              <a:rPr lang="fr-FR" dirty="0" err="1"/>
-              <a:t>Readme</a:t>
-            </a:r>
-            <a:r>
               <a:rPr lang="fr-FR" dirty="0"/>
-              <a:t> Driven </a:t>
-            </a:r>
-            <a:r>
-              <a:rPr lang="fr-FR" dirty="0" err="1"/>
-              <a:t>Development</a:t>
-            </a:r>
-            <a:r>
-              <a:rPr lang="fr-FR" dirty="0"/>
-              <a:t>.</a:t>
+              <a:t>Compléter le Doc Driven Document.</a:t>
             </a:r>
             <a:endParaRPr lang="en-US" dirty="0"/>
           </a:p>
@@ -5040,17 +5315,26 @@
               <a:buChar char="•"/>
             </a:pPr>
             <a:r>
+              <a:rPr lang="en-US" dirty="0" err="1"/>
+              <a:t>Gérer</a:t>
+            </a:r>
+            <a:r>
               <a:rPr lang="en-US" dirty="0"/>
-              <a:t>Managing on </a:t>
-            </a:r>
-            <a:r>
-              <a:rPr lang="en-US" b="1" i="1" dirty="0"/>
-              <a:t>Trello</a:t>
+              <a:t> le </a:t>
+            </a:r>
+            <a:r>
+              <a:rPr lang="en-US" dirty="0" err="1"/>
+              <a:t>projet</a:t>
             </a:r>
             <a:r>
               <a:rPr lang="en-US" dirty="0"/>
-              <a:t> for a global and more accurate view of the process.</a:t>
-            </a:r>
+              <a:t> sur Trello pour plus de transparence et de </a:t>
+            </a:r>
+            <a:r>
+              <a:rPr lang="en-US" dirty="0" err="1"/>
+              <a:t>souplesse</a:t>
+            </a:r>
+            <a:endParaRPr lang="en-US" dirty="0"/>
           </a:p>
           <a:p>
             <a:endParaRPr lang="en-US" dirty="0"/>
@@ -5174,8 +5458,20 @@
           <a:lstStyle/>
           <a:p>
             <a:r>
+              <a:rPr lang="en-US" dirty="0" err="1"/>
+              <a:t>Decouper</a:t>
+            </a:r>
+            <a:r>
               <a:rPr lang="en-US" dirty="0"/>
-              <a:t>Cutting scenarios in several User stories</a:t>
+              <a:t> les scenarios </a:t>
+            </a:r>
+            <a:r>
+              <a:rPr lang="en-US" dirty="0" err="1"/>
+              <a:t>en</a:t>
+            </a:r>
+            <a:r>
+              <a:rPr lang="en-US" dirty="0"/>
+              <a:t> user stories</a:t>
             </a:r>
             <a:endParaRPr lang="fr-FR" dirty="0"/>
           </a:p>
@@ -5233,7 +5529,7 @@
           <a:p>
             <a:r>
               <a:rPr lang="en-US" dirty="0"/>
-              <a:t>focus on each User story and define tasks</a:t>
+              <a:t>1 user story = taches et sous taches</a:t>
             </a:r>
             <a:endParaRPr lang="fr-FR" dirty="0"/>
           </a:p>
@@ -5290,12 +5586,8 @@
           <a:lstStyle/>
           <a:p>
             <a:r>
-              <a:rPr lang="fr-FR" dirty="0" err="1"/>
-              <a:t>Using</a:t>
-            </a:r>
-            <a:r>
               <a:rPr lang="fr-FR" dirty="0"/>
-              <a:t> </a:t>
+              <a:t>Utiliser </a:t>
             </a:r>
             <a:r>
               <a:rPr lang="fr-FR" dirty="0" err="1"/>
@@ -5337,6 +5629,169 @@
       </p:grpSpPr>
       <p:sp>
         <p:nvSpPr>
+          <p:cNvPr id="2" name="Text Placeholder 1">
+            <a:extLst>
+              <a:ext uri="{FF2B5EF4-FFF2-40B4-BE49-F238E27FC236}">
+                <a16:creationId xmlns:a16="http://schemas.microsoft.com/office/drawing/2014/main" id="{5EE7AAC1-A400-4E3D-882B-ED866756149C}"/>
+              </a:ext>
+            </a:extLst>
+          </p:cNvPr>
+          <p:cNvSpPr>
+            <a:spLocks noGrp="1"/>
+          </p:cNvSpPr>
+          <p:nvPr>
+            <p:ph type="body" idx="1"/>
+          </p:nvPr>
+        </p:nvSpPr>
+        <p:spPr/>
+        <p:txBody>
+          <a:bodyPr/>
+          <a:lstStyle/>
+          <a:p>
+            <a:endParaRPr lang="fr-FR" dirty="0"/>
+          </a:p>
+        </p:txBody>
+      </p:sp>
+      <p:sp>
+        <p:nvSpPr>
+          <p:cNvPr id="3" name="Content Placeholder 2">
+            <a:extLst>
+              <a:ext uri="{FF2B5EF4-FFF2-40B4-BE49-F238E27FC236}">
+                <a16:creationId xmlns:a16="http://schemas.microsoft.com/office/drawing/2014/main" id="{DD58A577-6EB5-481C-8B25-C0E18855CD85}"/>
+              </a:ext>
+            </a:extLst>
+          </p:cNvPr>
+          <p:cNvSpPr>
+            <a:spLocks noGrp="1"/>
+          </p:cNvSpPr>
+          <p:nvPr>
+            <p:ph sz="half" idx="2"/>
+          </p:nvPr>
+        </p:nvSpPr>
+        <p:spPr/>
+        <p:txBody>
+          <a:bodyPr/>
+          <a:lstStyle/>
+          <a:p>
+            <a:endParaRPr lang="fr-FR"/>
+          </a:p>
+        </p:txBody>
+      </p:sp>
+      <p:sp>
+        <p:nvSpPr>
+          <p:cNvPr id="4" name="Text Placeholder 3">
+            <a:extLst>
+              <a:ext uri="{FF2B5EF4-FFF2-40B4-BE49-F238E27FC236}">
+                <a16:creationId xmlns:a16="http://schemas.microsoft.com/office/drawing/2014/main" id="{04A751F4-4708-402B-9AE2-618579FD6814}"/>
+              </a:ext>
+            </a:extLst>
+          </p:cNvPr>
+          <p:cNvSpPr>
+            <a:spLocks noGrp="1"/>
+          </p:cNvSpPr>
+          <p:nvPr>
+            <p:ph type="body" sz="quarter" idx="3"/>
+          </p:nvPr>
+        </p:nvSpPr>
+        <p:spPr/>
+        <p:txBody>
+          <a:bodyPr/>
+          <a:lstStyle/>
+          <a:p>
+            <a:endParaRPr lang="fr-FR"/>
+          </a:p>
+        </p:txBody>
+      </p:sp>
+      <p:sp>
+        <p:nvSpPr>
+          <p:cNvPr id="5" name="Content Placeholder 4">
+            <a:extLst>
+              <a:ext uri="{FF2B5EF4-FFF2-40B4-BE49-F238E27FC236}">
+                <a16:creationId xmlns:a16="http://schemas.microsoft.com/office/drawing/2014/main" id="{5C4B8786-94EE-4984-B7E1-6F4895D33C05}"/>
+              </a:ext>
+            </a:extLst>
+          </p:cNvPr>
+          <p:cNvSpPr>
+            <a:spLocks noGrp="1"/>
+          </p:cNvSpPr>
+          <p:nvPr>
+            <p:ph sz="quarter" idx="4"/>
+          </p:nvPr>
+        </p:nvSpPr>
+        <p:spPr/>
+        <p:txBody>
+          <a:bodyPr/>
+          <a:lstStyle/>
+          <a:p>
+            <a:endParaRPr lang="fr-FR"/>
+          </a:p>
+        </p:txBody>
+      </p:sp>
+      <p:sp>
+        <p:nvSpPr>
+          <p:cNvPr id="6" name="Title 5">
+            <a:extLst>
+              <a:ext uri="{FF2B5EF4-FFF2-40B4-BE49-F238E27FC236}">
+                <a16:creationId xmlns:a16="http://schemas.microsoft.com/office/drawing/2014/main" id="{F3343B63-42E6-44C1-8C4C-C4A2D1C93281}"/>
+              </a:ext>
+            </a:extLst>
+          </p:cNvPr>
+          <p:cNvSpPr>
+            <a:spLocks noGrp="1"/>
+          </p:cNvSpPr>
+          <p:nvPr>
+            <p:ph type="title"/>
+          </p:nvPr>
+        </p:nvSpPr>
+        <p:spPr/>
+        <p:txBody>
+          <a:bodyPr/>
+          <a:lstStyle/>
+          <a:p>
+            <a:r>
+              <a:rPr lang="fr-FR" dirty="0"/>
+              <a:t>Conjuguer python et </a:t>
+            </a:r>
+            <a:r>
+              <a:rPr lang="fr-FR" dirty="0" err="1"/>
+              <a:t>mysql</a:t>
+            </a:r>
+            <a:endParaRPr lang="fr-FR" dirty="0"/>
+          </a:p>
+        </p:txBody>
+      </p:sp>
+    </p:spTree>
+    <p:extLst>
+      <p:ext uri="{BB962C8B-B14F-4D97-AF65-F5344CB8AC3E}">
+        <p14:creationId xmlns:p14="http://schemas.microsoft.com/office/powerpoint/2010/main" val="365945888"/>
+      </p:ext>
+    </p:extLst>
+  </p:cSld>
+  <p:clrMapOvr>
+    <a:masterClrMapping/>
+  </p:clrMapOvr>
+</p:sld>
+</file>
+
+<file path=ppt/slides/slide8.xml><?xml version="1.0" encoding="utf-8"?>
+<p:sld xmlns:a="http://schemas.openxmlformats.org/drawingml/2006/main" xmlns:r="http://schemas.openxmlformats.org/officeDocument/2006/relationships" xmlns:p="http://schemas.openxmlformats.org/presentationml/2006/main">
+  <p:cSld>
+    <p:spTree>
+      <p:nvGrpSpPr>
+        <p:cNvPr id="1" name=""/>
+        <p:cNvGrpSpPr/>
+        <p:nvPr/>
+      </p:nvGrpSpPr>
+      <p:grpSpPr>
+        <a:xfrm>
+          <a:off x="0" y="0"/>
+          <a:ext cx="0" cy="0"/>
+          <a:chOff x="0" y="0"/>
+          <a:chExt cx="0" cy="0"/>
+        </a:xfrm>
+      </p:grpSpPr>
+      <p:sp>
+        <p:nvSpPr>
           <p:cNvPr id="2" name="Title 1">
             <a:extLst>
               <a:ext uri="{FF2B5EF4-FFF2-40B4-BE49-F238E27FC236}">
@@ -5362,9 +5817,18 @@
           <a:lstStyle/>
           <a:p>
             <a:r>
+              <a:rPr lang="en-US" dirty="0" err="1"/>
+              <a:t>Construire</a:t>
+            </a:r>
+            <a:r>
               <a:rPr lang="en-US" dirty="0"/>
-              <a:t>BUILD the database</a:t>
-            </a:r>
+              <a:t> la base de </a:t>
+            </a:r>
+            <a:r>
+              <a:rPr lang="en-US" dirty="0" err="1"/>
+              <a:t>données</a:t>
+            </a:r>
+            <a:endParaRPr lang="en-US" dirty="0"/>
           </a:p>
         </p:txBody>
       </p:sp>
@@ -5395,8 +5859,68 @@
           <a:lstStyle/>
           <a:p>
             <a:r>
+              <a:rPr lang="en-US" dirty="0" err="1"/>
+              <a:t>Définir</a:t>
+            </a:r>
+            <a:r>
               <a:rPr lang="en-US" dirty="0"/>
-              <a:t>Define tables, fields and set primary and foreign keys by drawing a  physical data model with workbench then use SQL scripts, then checks and tests</a:t>
+              <a:t> les tables, champs et </a:t>
+            </a:r>
+            <a:r>
+              <a:rPr lang="en-US" dirty="0" err="1"/>
+              <a:t>clés</a:t>
+            </a:r>
+            <a:r>
+              <a:rPr lang="en-US" dirty="0"/>
+              <a:t> </a:t>
+            </a:r>
+            <a:r>
+              <a:rPr lang="en-US" dirty="0" err="1"/>
+              <a:t>primaires</a:t>
+            </a:r>
+            <a:r>
+              <a:rPr lang="en-US" dirty="0"/>
+              <a:t> et </a:t>
+            </a:r>
+            <a:r>
+              <a:rPr lang="en-US" dirty="0" err="1"/>
+              <a:t>secondaires</a:t>
+            </a:r>
+            <a:r>
+              <a:rPr lang="en-US" dirty="0"/>
+              <a:t>. </a:t>
+            </a:r>
+            <a:r>
+              <a:rPr lang="en-US" dirty="0" err="1"/>
+              <a:t>Dessiner</a:t>
+            </a:r>
+            <a:r>
+              <a:rPr lang="en-US" dirty="0"/>
+              <a:t> le </a:t>
+            </a:r>
+            <a:r>
+              <a:rPr lang="en-US" dirty="0" err="1"/>
+              <a:t>modèle</a:t>
+            </a:r>
+            <a:r>
+              <a:rPr lang="en-US" dirty="0"/>
+              <a:t> physique de </a:t>
+            </a:r>
+            <a:r>
+              <a:rPr lang="en-US" dirty="0" err="1"/>
+              <a:t>données</a:t>
+            </a:r>
+            <a:r>
+              <a:rPr lang="en-US" dirty="0"/>
+              <a:t> avec workbench, </a:t>
+            </a:r>
+            <a:r>
+              <a:rPr lang="en-US" dirty="0" err="1"/>
+              <a:t>insérer</a:t>
+            </a:r>
+            <a:r>
+              <a:rPr lang="en-US" dirty="0"/>
+              <a:t> SQL scripts.</a:t>
             </a:r>
           </a:p>
           <a:p>
@@ -5540,7 +6064,7 @@
 </p:sld>
 </file>
 
-<file path=ppt/slides/slide8.xml><?xml version="1.0" encoding="utf-8"?>
+<file path=ppt/slides/slide9.xml><?xml version="1.0" encoding="utf-8"?>
 <p:sld xmlns:a="http://schemas.openxmlformats.org/drawingml/2006/main" xmlns:r="http://schemas.openxmlformats.org/officeDocument/2006/relationships" xmlns:p="http://schemas.openxmlformats.org/presentationml/2006/main">
   <p:cSld>
     <p:spTree>
@@ -5580,7 +6104,7 @@
           <a:p>
             <a:r>
               <a:rPr lang="fr-FR" dirty="0"/>
-              <a:t>EXTRACT OFF DATA FROM API IN JSON FORMAT</a:t>
+              <a:t>Extraire les données de l’api </a:t>
             </a:r>
           </a:p>
         </p:txBody>
@@ -5606,7 +6130,22 @@
           <a:bodyPr/>
           <a:lstStyle/>
           <a:p>
-            <a:endParaRPr lang="fr-FR" dirty="0"/>
+            <a:r>
+              <a:rPr lang="fr-FR" dirty="0" err="1"/>
+              <a:t>Parser</a:t>
+            </a:r>
+            <a:r>
+              <a:rPr lang="fr-FR" dirty="0"/>
+              <a:t> le </a:t>
+            </a:r>
+            <a:r>
+              <a:rPr lang="fr-FR" dirty="0" err="1"/>
+              <a:t>json</a:t>
+            </a:r>
+            <a:r>
+              <a:rPr lang="fr-FR" dirty="0"/>
+              <a:t> d’une url</a:t>
+            </a:r>
           </a:p>
         </p:txBody>
       </p:sp>
@@ -5663,7 +6202,7 @@
           <a:p>
             <a:r>
               <a:rPr lang="fr-FR" dirty="0"/>
-              <a:t>FILL THE DATABASE</a:t>
+              <a:t>Remplir la base de données</a:t>
             </a:r>
           </a:p>
         </p:txBody>
@@ -5701,141 +6240,6 @@
     <p:extLst>
       <p:ext uri="{BB962C8B-B14F-4D97-AF65-F5344CB8AC3E}">
         <p14:creationId xmlns:p14="http://schemas.microsoft.com/office/powerpoint/2010/main" val="154033717"/>
-      </p:ext>
-    </p:extLst>
-  </p:cSld>
-  <p:clrMapOvr>
-    <a:masterClrMapping/>
-  </p:clrMapOvr>
-</p:sld>
-</file>
-
-<file path=ppt/slides/slide9.xml><?xml version="1.0" encoding="utf-8"?>
-<p:sld xmlns:a="http://schemas.openxmlformats.org/drawingml/2006/main" xmlns:r="http://schemas.openxmlformats.org/officeDocument/2006/relationships" xmlns:p="http://schemas.openxmlformats.org/presentationml/2006/main">
-  <p:cSld>
-    <p:spTree>
-      <p:nvGrpSpPr>
-        <p:cNvPr id="1" name=""/>
-        <p:cNvGrpSpPr/>
-        <p:nvPr/>
-      </p:nvGrpSpPr>
-      <p:grpSpPr>
-        <a:xfrm>
-          <a:off x="0" y="0"/>
-          <a:ext cx="0" cy="0"/>
-          <a:chOff x="0" y="0"/>
-          <a:chExt cx="0" cy="0"/>
-        </a:xfrm>
-      </p:grpSpPr>
-      <p:sp>
-        <p:nvSpPr>
-          <p:cNvPr id="2" name="Content Placeholder 1">
-            <a:extLst>
-              <a:ext uri="{FF2B5EF4-FFF2-40B4-BE49-F238E27FC236}">
-                <a16:creationId xmlns:a16="http://schemas.microsoft.com/office/drawing/2014/main" id="{BD902118-13D0-4D1A-B0D6-A5C6417CB10C}"/>
-              </a:ext>
-            </a:extLst>
-          </p:cNvPr>
-          <p:cNvSpPr>
-            <a:spLocks noGrp="1"/>
-          </p:cNvSpPr>
-          <p:nvPr>
-            <p:ph idx="1"/>
-          </p:nvPr>
-        </p:nvSpPr>
-        <p:spPr/>
-        <p:txBody>
-          <a:bodyPr/>
-          <a:lstStyle/>
-          <a:p>
-            <a:endParaRPr lang="fr-FR"/>
-          </a:p>
-        </p:txBody>
-      </p:sp>
-      <p:sp>
-        <p:nvSpPr>
-          <p:cNvPr id="3" name="Text Placeholder 2">
-            <a:extLst>
-              <a:ext uri="{FF2B5EF4-FFF2-40B4-BE49-F238E27FC236}">
-                <a16:creationId xmlns:a16="http://schemas.microsoft.com/office/drawing/2014/main" id="{3FB742EC-2D16-4276-9CBA-6EF07365DA64}"/>
-              </a:ext>
-            </a:extLst>
-          </p:cNvPr>
-          <p:cNvSpPr>
-            <a:spLocks noGrp="1"/>
-          </p:cNvSpPr>
-          <p:nvPr>
-            <p:ph type="body" sz="half" idx="2"/>
-          </p:nvPr>
-        </p:nvSpPr>
-        <p:spPr/>
-        <p:txBody>
-          <a:bodyPr/>
-          <a:lstStyle/>
-          <a:p>
-            <a:pPr marL="285750" indent="-285750">
-              <a:buFont typeface="Arial" panose="020B0604020202020204" pitchFamily="34" charset="0"/>
-              <a:buChar char="•"/>
-            </a:pPr>
-            <a:r>
-              <a:rPr lang="fr-FR" dirty="0" err="1"/>
-              <a:t>Extract</a:t>
-            </a:r>
-            <a:r>
-              <a:rPr lang="fr-FR" dirty="0"/>
-              <a:t> Open Food Fact data </a:t>
-            </a:r>
-            <a:r>
-              <a:rPr lang="fr-FR" dirty="0" err="1"/>
-              <a:t>from</a:t>
-            </a:r>
-            <a:r>
-              <a:rPr lang="fr-FR" dirty="0"/>
-              <a:t> API in JSON format.</a:t>
-            </a:r>
-          </a:p>
-        </p:txBody>
-      </p:sp>
-      <p:sp>
-        <p:nvSpPr>
-          <p:cNvPr id="4" name="Title 3">
-            <a:extLst>
-              <a:ext uri="{FF2B5EF4-FFF2-40B4-BE49-F238E27FC236}">
-                <a16:creationId xmlns:a16="http://schemas.microsoft.com/office/drawing/2014/main" id="{A8A93D01-5CD4-4607-B8A7-1A7BFED9D02B}"/>
-              </a:ext>
-            </a:extLst>
-          </p:cNvPr>
-          <p:cNvSpPr>
-            <a:spLocks noGrp="1"/>
-          </p:cNvSpPr>
-          <p:nvPr>
-            <p:ph type="title"/>
-          </p:nvPr>
-        </p:nvSpPr>
-        <p:spPr/>
-        <p:txBody>
-          <a:bodyPr/>
-          <a:lstStyle/>
-          <a:p>
-            <a:r>
-              <a:rPr lang="fr-FR" dirty="0"/>
-              <a:t>Fill the </a:t>
-            </a:r>
-            <a:r>
-              <a:rPr lang="fr-FR" dirty="0" err="1"/>
-              <a:t>database</a:t>
-            </a:r>
-            <a:r>
-              <a:rPr lang="fr-FR" dirty="0"/>
-              <a:t> </a:t>
-            </a:r>
-          </a:p>
-        </p:txBody>
-      </p:sp>
-    </p:spTree>
-    <p:extLst>
-      <p:ext uri="{BB962C8B-B14F-4D97-AF65-F5344CB8AC3E}">
-        <p14:creationId xmlns:p14="http://schemas.microsoft.com/office/powerpoint/2010/main" val="945258928"/>
       </p:ext>
     </p:extLst>
   </p:cSld>
@@ -6100,15 +6504,6 @@
 </file>
 
 <file path=customXml/item2.xml><?xml version="1.0" encoding="utf-8"?>
-<?mso-contentType ?>
-<FormTemplates xmlns="http://schemas.microsoft.com/sharepoint/v3/contenttype/forms">
-  <Display>DocumentLibraryForm</Display>
-  <Edit>DocumentLibraryForm</Edit>
-  <New>DocumentLibraryForm</New>
-</FormTemplates>
-</file>
-
-<file path=customXml/item3.xml><?xml version="1.0" encoding="utf-8"?>
 <ct:contentTypeSchema xmlns:ct="http://schemas.microsoft.com/office/2006/metadata/contentType" xmlns:ma="http://schemas.microsoft.com/office/2006/metadata/properties/metaAttributes" ct:_="" ma:_="" ma:contentTypeName="Document" ma:contentTypeID="0x010100DEEA25CC0A0AC24199CDC46C25B8B0BC" ma:contentTypeVersion="10" ma:contentTypeDescription="Create a new document." ma:contentTypeScope="" ma:versionID="e3b47856d4cf355c0dacb39e1084d14f">
   <xsd:schema xmlns:xsd="http://www.w3.org/2001/XMLSchema" xmlns:xs="http://www.w3.org/2001/XMLSchema" xmlns:p="http://schemas.microsoft.com/office/2006/metadata/properties" xmlns:ns1="http://schemas.microsoft.com/sharepoint/v3" xmlns:ns2="6dc4bcd6-49db-4c07-9060-8acfc67cef9f" xmlns:ns3="fb0879af-3eba-417a-a55a-ffe6dcd6ca77" targetNamespace="http://schemas.microsoft.com/office/2006/metadata/properties" ma:root="true" ma:fieldsID="a845a615265fdb1f7b12cc65ac20ecbd" ns1:_="" ns2:_="" ns3:_="">
     <xsd:import namespace="http://schemas.microsoft.com/sharepoint/v3"/>
@@ -6316,25 +6711,34 @@
 </ct:contentTypeSchema>
 </file>
 
+<file path=customXml/item3.xml><?xml version="1.0" encoding="utf-8"?>
+<?mso-contentType ?>
+<FormTemplates xmlns="http://schemas.microsoft.com/sharepoint/v3/contenttype/forms">
+  <Display>DocumentLibraryForm</Display>
+  <Edit>DocumentLibraryForm</Edit>
+  <New>DocumentLibraryForm</New>
+</FormTemplates>
+</file>
+
 <file path=customXml/itemProps1.xml><?xml version="1.0" encoding="utf-8"?>
 <ds:datastoreItem xmlns:ds="http://schemas.openxmlformats.org/officeDocument/2006/customXml" ds:itemID="{816B76F2-1AE1-4A2A-A5B3-D462CC5E81F8}">
   <ds:schemaRefs>
+    <ds:schemaRef ds:uri="http://purl.org/dc/dcmitype/"/>
+    <ds:schemaRef ds:uri="6dc4bcd6-49db-4c07-9060-8acfc67cef9f"/>
+    <ds:schemaRef ds:uri="http://schemas.microsoft.com/office/infopath/2007/PartnerControls"/>
+    <ds:schemaRef ds:uri="http://purl.org/dc/elements/1.1/"/>
     <ds:schemaRef ds:uri="http://schemas.microsoft.com/office/2006/metadata/properties"/>
-    <ds:schemaRef ds:uri="http://schemas.microsoft.com/office/infopath/2007/PartnerControls"/>
+    <ds:schemaRef ds:uri="http://schemas.openxmlformats.org/package/2006/metadata/core-properties"/>
+    <ds:schemaRef ds:uri="http://schemas.microsoft.com/office/2006/documentManagement/types"/>
+    <ds:schemaRef ds:uri="fb0879af-3eba-417a-a55a-ffe6dcd6ca77"/>
     <ds:schemaRef ds:uri="http://schemas.microsoft.com/sharepoint/v3"/>
+    <ds:schemaRef ds:uri="http://www.w3.org/XML/1998/namespace"/>
+    <ds:schemaRef ds:uri="http://purl.org/dc/terms/"/>
   </ds:schemaRefs>
 </ds:datastoreItem>
 </file>
 
 <file path=customXml/itemProps2.xml><?xml version="1.0" encoding="utf-8"?>
-<ds:datastoreItem xmlns:ds="http://schemas.openxmlformats.org/officeDocument/2006/customXml" ds:itemID="{30ECC70E-6674-4337-B48B-AF4F8832F1E5}">
-  <ds:schemaRefs>
-    <ds:schemaRef ds:uri="http://schemas.microsoft.com/sharepoint/v3/contenttype/forms"/>
-  </ds:schemaRefs>
-</ds:datastoreItem>
-</file>
-
-<file path=customXml/itemProps3.xml><?xml version="1.0" encoding="utf-8"?>
 <ds:datastoreItem xmlns:ds="http://schemas.openxmlformats.org/officeDocument/2006/customXml" ds:itemID="{D2BAE40F-4B14-4E0B-9265-745AD5E2D42F}">
   <ds:schemaRefs>
     <ds:schemaRef ds:uri="http://schemas.microsoft.com/office/2006/metadata/contentType"/>
@@ -6352,4 +6756,12 @@
     <ds:schemaRef ds:uri="http://schemas.microsoft.com/internal/obd"/>
   </ds:schemaRefs>
 </ds:datastoreItem>
+</file>
+
+<file path=customXml/itemProps3.xml><?xml version="1.0" encoding="utf-8"?>
+<ds:datastoreItem xmlns:ds="http://schemas.openxmlformats.org/officeDocument/2006/customXml" ds:itemID="{30ECC70E-6674-4337-B48B-AF4F8832F1E5}">
+  <ds:schemaRefs>
+    <ds:schemaRef ds:uri="http://schemas.microsoft.com/sharepoint/v3/contenttype/forms"/>
+  </ds:schemaRefs>
+</ds:datastoreItem>
 </file>
--- a/SLIDESHOW PROJECT 5.pptx
+++ b/SLIDESHOW PROJECT 5.pptx
@@ -11,11 +11,17 @@
     <p:sldId id="259" r:id="rId8"/>
     <p:sldId id="260" r:id="rId9"/>
     <p:sldId id="265" r:id="rId10"/>
-    <p:sldId id="268" r:id="rId11"/>
-    <p:sldId id="263" r:id="rId12"/>
+    <p:sldId id="263" r:id="rId11"/>
+    <p:sldId id="268" r:id="rId12"/>
     <p:sldId id="267" r:id="rId13"/>
-    <p:sldId id="266" r:id="rId14"/>
-    <p:sldId id="264" r:id="rId15"/>
+    <p:sldId id="269" r:id="rId14"/>
+    <p:sldId id="270" r:id="rId15"/>
+    <p:sldId id="271" r:id="rId16"/>
+    <p:sldId id="272" r:id="rId17"/>
+    <p:sldId id="273" r:id="rId18"/>
+    <p:sldId id="274" r:id="rId19"/>
+    <p:sldId id="275" r:id="rId20"/>
+    <p:sldId id="276" r:id="rId21"/>
   </p:sldIdLst>
   <p:sldSz cx="12192000" cy="6858000"/>
   <p:notesSz cx="6858000" cy="9144000"/>
@@ -266,7 +272,7 @@
           <a:p>
             <a:fld id="{2D202488-4139-4052-B998-251C9C912739}" type="datetimeFigureOut">
               <a:rPr lang="en-US" smtClean="0"/>
-              <a:t>3/14/2019</a:t>
+              <a:t>3/15/2019</a:t>
             </a:fld>
             <a:endParaRPr lang="en-US"/>
           </a:p>
@@ -718,7 +724,7 @@
             <a:fld id="{2D202488-4139-4052-B998-251C9C912739}" type="datetimeFigureOut">
               <a:rPr lang="en-US" smtClean="0"/>
               <a:pPr/>
-              <a:t>3/14/2019</a:t>
+              <a:t>3/15/2019</a:t>
             </a:fld>
             <a:endParaRPr lang="en-US"/>
           </a:p>
@@ -902,7 +908,7 @@
           <a:p>
             <a:fld id="{2D202488-4139-4052-B998-251C9C912739}" type="datetimeFigureOut">
               <a:rPr lang="en-US" smtClean="0"/>
-              <a:t>3/14/2019</a:t>
+              <a:t>3/15/2019</a:t>
             </a:fld>
             <a:endParaRPr lang="en-US"/>
           </a:p>
@@ -1210,7 +1216,7 @@
           <a:p>
             <a:fld id="{2D202488-4139-4052-B998-251C9C912739}" type="datetimeFigureOut">
               <a:rPr lang="en-US" smtClean="0"/>
-              <a:t>3/14/2019</a:t>
+              <a:t>3/15/2019</a:t>
             </a:fld>
             <a:endParaRPr lang="en-US"/>
           </a:p>
@@ -1451,7 +1457,7 @@
           <a:p>
             <a:fld id="{2D202488-4139-4052-B998-251C9C912739}" type="datetimeFigureOut">
               <a:rPr lang="en-US" smtClean="0"/>
-              <a:t>3/14/2019</a:t>
+              <a:t>3/15/2019</a:t>
             </a:fld>
             <a:endParaRPr lang="en-US"/>
           </a:p>
@@ -1874,7 +1880,7 @@
           <a:p>
             <a:fld id="{2D202488-4139-4052-B998-251C9C912739}" type="datetimeFigureOut">
               <a:rPr lang="en-US" smtClean="0"/>
-              <a:t>3/14/2019</a:t>
+              <a:t>3/15/2019</a:t>
             </a:fld>
             <a:endParaRPr lang="en-US"/>
           </a:p>
@@ -2035,7 +2041,7 @@
           <a:p>
             <a:fld id="{2D202488-4139-4052-B998-251C9C912739}" type="datetimeFigureOut">
               <a:rPr lang="en-US" smtClean="0"/>
-              <a:t>3/14/2019</a:t>
+              <a:t>3/15/2019</a:t>
             </a:fld>
             <a:endParaRPr lang="en-US"/>
           </a:p>
@@ -2196,7 +2202,7 @@
           <a:p>
             <a:fld id="{2D202488-4139-4052-B998-251C9C912739}" type="datetimeFigureOut">
               <a:rPr lang="en-US" smtClean="0"/>
-              <a:t>3/14/2019</a:t>
+              <a:t>3/15/2019</a:t>
             </a:fld>
             <a:endParaRPr lang="en-US"/>
           </a:p>
@@ -2414,7 +2420,7 @@
           <a:p>
             <a:fld id="{2D202488-4139-4052-B998-251C9C912739}" type="datetimeFigureOut">
               <a:rPr lang="en-US" smtClean="0"/>
-              <a:t>3/14/2019</a:t>
+              <a:t>3/15/2019</a:t>
             </a:fld>
             <a:endParaRPr lang="en-US"/>
           </a:p>
@@ -2697,7 +2703,7 @@
           <a:p>
             <a:fld id="{2D202488-4139-4052-B998-251C9C912739}" type="datetimeFigureOut">
               <a:rPr lang="en-US" smtClean="0"/>
-              <a:t>3/14/2019</a:t>
+              <a:t>3/15/2019</a:t>
             </a:fld>
             <a:endParaRPr lang="en-US"/>
           </a:p>
@@ -3479,7 +3485,7 @@
             <a:fld id="{2D202488-4139-4052-B998-251C9C912739}" type="datetimeFigureOut">
               <a:rPr lang="en-US" smtClean="0"/>
               <a:pPr/>
-              <a:t>3/14/2019</a:t>
+              <a:t>3/15/2019</a:t>
             </a:fld>
             <a:endParaRPr lang="en-US"/>
           </a:p>
@@ -4089,10 +4095,10 @@
       </p:grpSpPr>
       <p:sp>
         <p:nvSpPr>
-          <p:cNvPr id="2" name="Content Placeholder 1">
+          <p:cNvPr id="2" name="Text Placeholder 1">
             <a:extLst>
               <a:ext uri="{FF2B5EF4-FFF2-40B4-BE49-F238E27FC236}">
-                <a16:creationId xmlns:a16="http://schemas.microsoft.com/office/drawing/2014/main" id="{BD902118-13D0-4D1A-B0D6-A5C6417CB10C}"/>
+                <a16:creationId xmlns:a16="http://schemas.microsoft.com/office/drawing/2014/main" id="{D8360C8D-5CF8-4721-835E-55FD7364B466}"/>
               </a:ext>
             </a:extLst>
           </p:cNvPr>
@@ -4100,7 +4106,7 @@
             <a:spLocks noGrp="1"/>
           </p:cNvSpPr>
           <p:nvPr>
-            <p:ph idx="1"/>
+            <p:ph type="body" idx="1"/>
           </p:nvPr>
         </p:nvSpPr>
         <p:spPr/>
@@ -4108,16 +4114,19 @@
           <a:bodyPr/>
           <a:lstStyle/>
           <a:p>
-            <a:endParaRPr lang="fr-FR"/>
-          </a:p>
-        </p:txBody>
-      </p:sp>
-      <p:sp>
-        <p:nvSpPr>
-          <p:cNvPr id="3" name="Text Placeholder 2">
+            <a:r>
+              <a:rPr lang="fr-FR" dirty="0"/>
+              <a:t>L'utilisateur interagit dans le terminal</a:t>
+            </a:r>
+          </a:p>
+        </p:txBody>
+      </p:sp>
+      <p:sp>
+        <p:nvSpPr>
+          <p:cNvPr id="4" name="Text Placeholder 3">
             <a:extLst>
               <a:ext uri="{FF2B5EF4-FFF2-40B4-BE49-F238E27FC236}">
-                <a16:creationId xmlns:a16="http://schemas.microsoft.com/office/drawing/2014/main" id="{3FB742EC-2D16-4276-9CBA-6EF07365DA64}"/>
+                <a16:creationId xmlns:a16="http://schemas.microsoft.com/office/drawing/2014/main" id="{E3B01F02-4BE7-41FD-BA4D-E32247870F81}"/>
               </a:ext>
             </a:extLst>
           </p:cNvPr>
@@ -4125,7 +4134,7 @@
             <a:spLocks noGrp="1"/>
           </p:cNvSpPr>
           <p:nvPr>
-            <p:ph type="body" sz="half" idx="2"/>
+            <p:ph type="body" sz="quarter" idx="3"/>
           </p:nvPr>
         </p:nvSpPr>
         <p:spPr/>
@@ -4133,35 +4142,48 @@
           <a:bodyPr/>
           <a:lstStyle/>
           <a:p>
-            <a:pPr marL="285750" indent="-285750">
-              <a:buFont typeface="Arial" panose="020B0604020202020204" pitchFamily="34" charset="0"/>
-              <a:buChar char="•"/>
-            </a:pPr>
-            <a:r>
-              <a:rPr lang="fr-FR" dirty="0" err="1"/>
-              <a:t>Extract</a:t>
-            </a:r>
             <a:r>
               <a:rPr lang="fr-FR" dirty="0"/>
-              <a:t> Open Food Fact data </a:t>
-            </a:r>
-            <a:r>
-              <a:rPr lang="fr-FR" dirty="0" err="1"/>
-              <a:t>from</a:t>
-            </a:r>
-            <a:r>
-              <a:rPr lang="fr-FR" dirty="0"/>
-              <a:t> API in JSON format.</a:t>
-            </a:r>
-          </a:p>
-        </p:txBody>
-      </p:sp>
-      <p:sp>
-        <p:nvSpPr>
-          <p:cNvPr id="4" name="Title 3">
+              <a:t>Gestion des erreurs d’input</a:t>
+            </a:r>
+          </a:p>
+        </p:txBody>
+      </p:sp>
+      <p:pic>
+        <p:nvPicPr>
+          <p:cNvPr id="10" name="Content Placeholder 9">
             <a:extLst>
               <a:ext uri="{FF2B5EF4-FFF2-40B4-BE49-F238E27FC236}">
-                <a16:creationId xmlns:a16="http://schemas.microsoft.com/office/drawing/2014/main" id="{A8A93D01-5CD4-4607-B8A7-1A7BFED9D02B}"/>
+                <a16:creationId xmlns:a16="http://schemas.microsoft.com/office/drawing/2014/main" id="{C8146FB7-A9C6-430C-90BA-1ECF12F9A0FB}"/>
+              </a:ext>
+            </a:extLst>
+          </p:cNvPr>
+          <p:cNvPicPr>
+            <a:picLocks noGrp="1" noChangeAspect="1"/>
+          </p:cNvPicPr>
+          <p:nvPr>
+            <p:ph sz="quarter" idx="4"/>
+          </p:nvPr>
+        </p:nvPicPr>
+        <p:blipFill>
+          <a:blip r:embed="rId2"/>
+          <a:stretch>
+            <a:fillRect/>
+          </a:stretch>
+        </p:blipFill>
+        <p:spPr>
+          <a:xfrm>
+            <a:off x="6259536" y="2752724"/>
+            <a:ext cx="4364966" cy="3015171"/>
+          </a:xfrm>
+        </p:spPr>
+      </p:pic>
+      <p:sp>
+        <p:nvSpPr>
+          <p:cNvPr id="6" name="Title 5">
+            <a:extLst>
+              <a:ext uri="{FF2B5EF4-FFF2-40B4-BE49-F238E27FC236}">
+                <a16:creationId xmlns:a16="http://schemas.microsoft.com/office/drawing/2014/main" id="{FC8DCAC9-D9DB-452A-B2A3-5A34E788B590}"/>
               </a:ext>
             </a:extLst>
           </p:cNvPr>
@@ -4179,23 +4201,44 @@
           <a:p>
             <a:r>
               <a:rPr lang="fr-FR" dirty="0"/>
-              <a:t>Fill the </a:t>
-            </a:r>
-            <a:r>
-              <a:rPr lang="fr-FR" dirty="0" err="1"/>
-              <a:t>database</a:t>
-            </a:r>
-            <a:r>
-              <a:rPr lang="fr-FR" dirty="0"/>
-              <a:t> </a:t>
-            </a:r>
-          </a:p>
-        </p:txBody>
-      </p:sp>
+              <a:t>Rechercher un aliment</a:t>
+            </a:r>
+          </a:p>
+        </p:txBody>
+      </p:sp>
+      <p:pic>
+        <p:nvPicPr>
+          <p:cNvPr id="14" name="Content Placeholder 13">
+            <a:extLst>
+              <a:ext uri="{FF2B5EF4-FFF2-40B4-BE49-F238E27FC236}">
+                <a16:creationId xmlns:a16="http://schemas.microsoft.com/office/drawing/2014/main" id="{3D1CF53F-E089-4FB3-A48F-4ACA02213AE2}"/>
+              </a:ext>
+            </a:extLst>
+          </p:cNvPr>
+          <p:cNvPicPr>
+            <a:picLocks noGrp="1" noChangeAspect="1"/>
+          </p:cNvPicPr>
+          <p:nvPr>
+            <p:ph sz="half" idx="2"/>
+          </p:nvPr>
+        </p:nvPicPr>
+        <p:blipFill>
+          <a:blip r:embed="rId3"/>
+          <a:stretch>
+            <a:fillRect/>
+          </a:stretch>
+        </p:blipFill>
+        <p:spPr>
+          <a:xfrm>
+            <a:off x="1362974" y="2755900"/>
+            <a:ext cx="4364966" cy="3011995"/>
+          </a:xfrm>
+        </p:spPr>
+      </p:pic>
     </p:spTree>
     <p:extLst>
       <p:ext uri="{BB962C8B-B14F-4D97-AF65-F5344CB8AC3E}">
-        <p14:creationId xmlns:p14="http://schemas.microsoft.com/office/powerpoint/2010/main" val="945258928"/>
+        <p14:creationId xmlns:p14="http://schemas.microsoft.com/office/powerpoint/2010/main" val="3920069616"/>
       </p:ext>
     </p:extLst>
   </p:cSld>
@@ -4224,10 +4267,10 @@
       </p:grpSpPr>
       <p:sp>
         <p:nvSpPr>
-          <p:cNvPr id="4" name="Title 3">
+          <p:cNvPr id="2" name="Text Placeholder 1">
             <a:extLst>
               <a:ext uri="{FF2B5EF4-FFF2-40B4-BE49-F238E27FC236}">
-                <a16:creationId xmlns:a16="http://schemas.microsoft.com/office/drawing/2014/main" id="{E98DCA46-603B-4178-8707-30E192CE6B8D}"/>
+                <a16:creationId xmlns:a16="http://schemas.microsoft.com/office/drawing/2014/main" id="{4F9524D1-BD0F-4559-AE12-14D320D3E7D6}"/>
               </a:ext>
             </a:extLst>
           </p:cNvPr>
@@ -4235,7 +4278,7 @@
             <a:spLocks noGrp="1"/>
           </p:cNvSpPr>
           <p:nvPr>
-            <p:ph type="title"/>
+            <p:ph type="body" idx="1"/>
           </p:nvPr>
         </p:nvSpPr>
         <p:spPr/>
@@ -4244,49 +4287,138 @@
           <a:lstStyle/>
           <a:p>
             <a:r>
-              <a:rPr lang="en-US" dirty="0"/>
-              <a:t>Customize this Template</a:t>
-            </a:r>
-          </a:p>
-        </p:txBody>
-      </p:sp>
-      <p:sp>
-        <p:nvSpPr>
-          <p:cNvPr id="8" name="TextBox 7">
-            <a:hlinkClick r:id="rId2"/>
+              <a:rPr lang="fr-FR" dirty="0"/>
+              <a:t>Requête </a:t>
+            </a:r>
+            <a:r>
+              <a:rPr lang="fr-FR" dirty="0" err="1"/>
+              <a:t>mysql</a:t>
+            </a:r>
+            <a:r>
+              <a:rPr lang="fr-FR" dirty="0"/>
+              <a:t> </a:t>
+            </a:r>
+          </a:p>
+        </p:txBody>
+      </p:sp>
+      <p:pic>
+        <p:nvPicPr>
+          <p:cNvPr id="8" name="Content Placeholder 7">
             <a:extLst>
               <a:ext uri="{FF2B5EF4-FFF2-40B4-BE49-F238E27FC236}">
-                <a16:creationId xmlns:a16="http://schemas.microsoft.com/office/drawing/2014/main" id="{5FC6C278-4035-446A-A94B-030E792FDDF5}"/>
+                <a16:creationId xmlns:a16="http://schemas.microsoft.com/office/drawing/2014/main" id="{2D0094D1-FFE5-41AF-8ED3-A5B502D5F2B8}"/>
               </a:ext>
             </a:extLst>
           </p:cNvPr>
-          <p:cNvSpPr txBox="1"/>
-          <p:nvPr/>
-        </p:nvSpPr>
+          <p:cNvPicPr>
+            <a:picLocks noGrp="1" noChangeAspect="1"/>
+          </p:cNvPicPr>
+          <p:nvPr>
+            <p:ph sz="half" idx="2"/>
+          </p:nvPr>
+        </p:nvPicPr>
+        <p:blipFill>
+          <a:blip r:embed="rId2"/>
+          <a:stretch>
+            <a:fillRect/>
+          </a:stretch>
+        </p:blipFill>
         <p:spPr>
           <a:xfrm>
-            <a:off x="1547813" y="2459504"/>
-            <a:ext cx="9096374" cy="1938992"/>
+            <a:off x="1287463" y="2821087"/>
+            <a:ext cx="4652052" cy="2514401"/>
           </a:xfrm>
-          <a:prstGeom prst="rect">
-            <a:avLst/>
-          </a:prstGeom>
-          <a:noFill/>
         </p:spPr>
-        <p:txBody>
-          <a:bodyPr wrap="square" rtlCol="0">
-            <a:noAutofit/>
-          </a:bodyPr>
+      </p:pic>
+      <p:sp>
+        <p:nvSpPr>
+          <p:cNvPr id="4" name="Text Placeholder 3">
+            <a:extLst>
+              <a:ext uri="{FF2B5EF4-FFF2-40B4-BE49-F238E27FC236}">
+                <a16:creationId xmlns:a16="http://schemas.microsoft.com/office/drawing/2014/main" id="{AC81B653-A739-4B8F-9338-E9AB79C0502A}"/>
+              </a:ext>
+            </a:extLst>
+          </p:cNvPr>
+          <p:cNvSpPr>
+            <a:spLocks noGrp="1"/>
+          </p:cNvSpPr>
+          <p:nvPr>
+            <p:ph type="body" sz="quarter" idx="3"/>
+          </p:nvPr>
+        </p:nvSpPr>
+        <p:spPr/>
+        <p:txBody>
+          <a:bodyPr/>
           <a:lstStyle/>
           <a:p>
-            <a:pPr algn="ctr"/>
-            <a:r>
-              <a:rPr lang="en-US" sz="6000" u="sng" dirty="0">
-                <a:solidFill>
-                  <a:srgbClr val="0070C0"/>
-                </a:solidFill>
-              </a:rPr>
-              <a:t>Template Editing Instructions and Feedback</a:t>
+            <a:r>
+              <a:rPr lang="fr-FR" dirty="0"/>
+              <a:t>Proposition de substitut(</a:t>
+            </a:r>
+            <a:r>
+              <a:rPr lang="fr-FR" dirty="0" err="1"/>
+              <a:t>random</a:t>
+            </a:r>
+            <a:r>
+              <a:rPr lang="fr-FR" dirty="0"/>
+              <a:t>)</a:t>
+            </a:r>
+          </a:p>
+        </p:txBody>
+      </p:sp>
+      <p:pic>
+        <p:nvPicPr>
+          <p:cNvPr id="10" name="Content Placeholder 9">
+            <a:extLst>
+              <a:ext uri="{FF2B5EF4-FFF2-40B4-BE49-F238E27FC236}">
+                <a16:creationId xmlns:a16="http://schemas.microsoft.com/office/drawing/2014/main" id="{3824AB83-EF4C-414A-91D7-704540964316}"/>
+              </a:ext>
+            </a:extLst>
+          </p:cNvPr>
+          <p:cNvPicPr>
+            <a:picLocks noGrp="1" noChangeAspect="1"/>
+          </p:cNvPicPr>
+          <p:nvPr>
+            <p:ph sz="quarter" idx="4"/>
+          </p:nvPr>
+        </p:nvPicPr>
+        <p:blipFill>
+          <a:blip r:embed="rId3"/>
+          <a:stretch>
+            <a:fillRect/>
+          </a:stretch>
+        </p:blipFill>
+        <p:spPr>
+          <a:xfrm>
+            <a:off x="6253163" y="2821086"/>
+            <a:ext cx="4645025" cy="2514401"/>
+          </a:xfrm>
+        </p:spPr>
+      </p:pic>
+      <p:sp>
+        <p:nvSpPr>
+          <p:cNvPr id="6" name="Title 5">
+            <a:extLst>
+              <a:ext uri="{FF2B5EF4-FFF2-40B4-BE49-F238E27FC236}">
+                <a16:creationId xmlns:a16="http://schemas.microsoft.com/office/drawing/2014/main" id="{5FC3004A-0C95-4F7C-8177-E43B390D349E}"/>
+              </a:ext>
+            </a:extLst>
+          </p:cNvPr>
+          <p:cNvSpPr>
+            <a:spLocks noGrp="1"/>
+          </p:cNvSpPr>
+          <p:nvPr>
+            <p:ph type="title"/>
+          </p:nvPr>
+        </p:nvSpPr>
+        <p:spPr/>
+        <p:txBody>
+          <a:bodyPr/>
+          <a:lstStyle/>
+          <a:p>
+            <a:r>
+              <a:rPr lang="fr-FR" dirty="0"/>
+              <a:t>CONSULTER le détail d’un  ALIMENT</a:t>
             </a:r>
           </a:p>
         </p:txBody>
@@ -4294,7 +4426,675 @@
     </p:spTree>
     <p:extLst>
       <p:ext uri="{BB962C8B-B14F-4D97-AF65-F5344CB8AC3E}">
-        <p14:creationId xmlns:p14="http://schemas.microsoft.com/office/powerpoint/2010/main" val="2394598200"/>
+        <p14:creationId xmlns:p14="http://schemas.microsoft.com/office/powerpoint/2010/main" val="4077216028"/>
+      </p:ext>
+    </p:extLst>
+  </p:cSld>
+  <p:clrMapOvr>
+    <a:masterClrMapping/>
+  </p:clrMapOvr>
+</p:sld>
+</file>
+
+<file path=ppt/slides/slide12.xml><?xml version="1.0" encoding="utf-8"?>
+<p:sld xmlns:a="http://schemas.openxmlformats.org/drawingml/2006/main" xmlns:r="http://schemas.openxmlformats.org/officeDocument/2006/relationships" xmlns:p="http://schemas.openxmlformats.org/presentationml/2006/main">
+  <p:cSld>
+    <p:spTree>
+      <p:nvGrpSpPr>
+        <p:cNvPr id="1" name=""/>
+        <p:cNvGrpSpPr/>
+        <p:nvPr/>
+      </p:nvGrpSpPr>
+      <p:grpSpPr>
+        <a:xfrm>
+          <a:off x="0" y="0"/>
+          <a:ext cx="0" cy="0"/>
+          <a:chOff x="0" y="0"/>
+          <a:chExt cx="0" cy="0"/>
+        </a:xfrm>
+      </p:grpSpPr>
+      <p:sp>
+        <p:nvSpPr>
+          <p:cNvPr id="2" name="Text Placeholder 1">
+            <a:extLst>
+              <a:ext uri="{FF2B5EF4-FFF2-40B4-BE49-F238E27FC236}">
+                <a16:creationId xmlns:a16="http://schemas.microsoft.com/office/drawing/2014/main" id="{D6027C41-6735-4331-92EC-23030279CC1E}"/>
+              </a:ext>
+            </a:extLst>
+          </p:cNvPr>
+          <p:cNvSpPr>
+            <a:spLocks noGrp="1"/>
+          </p:cNvSpPr>
+          <p:nvPr>
+            <p:ph type="body" idx="1"/>
+          </p:nvPr>
+        </p:nvSpPr>
+        <p:spPr/>
+        <p:txBody>
+          <a:bodyPr/>
+          <a:lstStyle/>
+          <a:p>
+            <a:r>
+              <a:rPr lang="fr-FR" dirty="0"/>
+              <a:t>Ajout dans la table ‘substitute’</a:t>
+            </a:r>
+          </a:p>
+        </p:txBody>
+      </p:sp>
+      <p:pic>
+        <p:nvPicPr>
+          <p:cNvPr id="8" name="Content Placeholder 7">
+            <a:extLst>
+              <a:ext uri="{FF2B5EF4-FFF2-40B4-BE49-F238E27FC236}">
+                <a16:creationId xmlns:a16="http://schemas.microsoft.com/office/drawing/2014/main" id="{D94BEEC3-13FC-4193-B42C-3213F5222043}"/>
+              </a:ext>
+            </a:extLst>
+          </p:cNvPr>
+          <p:cNvPicPr>
+            <a:picLocks noGrp="1" noChangeAspect="1"/>
+          </p:cNvPicPr>
+          <p:nvPr>
+            <p:ph sz="half" idx="2"/>
+          </p:nvPr>
+        </p:nvPicPr>
+        <p:blipFill>
+          <a:blip r:embed="rId2"/>
+          <a:stretch>
+            <a:fillRect/>
+          </a:stretch>
+        </p:blipFill>
+        <p:spPr>
+          <a:xfrm>
+            <a:off x="1294362" y="2755900"/>
+            <a:ext cx="4312808" cy="3041051"/>
+          </a:xfrm>
+        </p:spPr>
+      </p:pic>
+      <p:sp>
+        <p:nvSpPr>
+          <p:cNvPr id="4" name="Text Placeholder 3">
+            <a:extLst>
+              <a:ext uri="{FF2B5EF4-FFF2-40B4-BE49-F238E27FC236}">
+                <a16:creationId xmlns:a16="http://schemas.microsoft.com/office/drawing/2014/main" id="{EA0665D8-7CC7-4EFF-8175-1C6E47CF8585}"/>
+              </a:ext>
+            </a:extLst>
+          </p:cNvPr>
+          <p:cNvSpPr>
+            <a:spLocks noGrp="1"/>
+          </p:cNvSpPr>
+          <p:nvPr>
+            <p:ph type="body" sz="quarter" idx="3"/>
+          </p:nvPr>
+        </p:nvSpPr>
+        <p:spPr/>
+        <p:txBody>
+          <a:bodyPr/>
+          <a:lstStyle/>
+          <a:p>
+            <a:r>
+              <a:rPr lang="fr-FR" dirty="0"/>
+              <a:t>Consultable avec une jointure (</a:t>
+            </a:r>
+            <a:r>
+              <a:rPr lang="fr-FR" dirty="0" err="1"/>
+              <a:t>prim</a:t>
+            </a:r>
+            <a:r>
+              <a:rPr lang="fr-FR" dirty="0"/>
+              <a:t> keys, for keys)</a:t>
+            </a:r>
+          </a:p>
+        </p:txBody>
+      </p:sp>
+      <p:sp>
+        <p:nvSpPr>
+          <p:cNvPr id="6" name="Title 5">
+            <a:extLst>
+              <a:ext uri="{FF2B5EF4-FFF2-40B4-BE49-F238E27FC236}">
+                <a16:creationId xmlns:a16="http://schemas.microsoft.com/office/drawing/2014/main" id="{C400C0E3-8037-481E-A618-5A4BC908606E}"/>
+              </a:ext>
+            </a:extLst>
+          </p:cNvPr>
+          <p:cNvSpPr>
+            <a:spLocks noGrp="1"/>
+          </p:cNvSpPr>
+          <p:nvPr>
+            <p:ph type="title"/>
+          </p:nvPr>
+        </p:nvSpPr>
+        <p:spPr/>
+        <p:txBody>
+          <a:bodyPr/>
+          <a:lstStyle/>
+          <a:p>
+            <a:r>
+              <a:rPr lang="fr-FR" dirty="0"/>
+              <a:t>Ajouter un substitut </a:t>
+            </a:r>
+          </a:p>
+        </p:txBody>
+      </p:sp>
+      <p:pic>
+        <p:nvPicPr>
+          <p:cNvPr id="14" name="Content Placeholder 13">
+            <a:extLst>
+              <a:ext uri="{FF2B5EF4-FFF2-40B4-BE49-F238E27FC236}">
+                <a16:creationId xmlns:a16="http://schemas.microsoft.com/office/drawing/2014/main" id="{5905AB54-8075-48A6-9ACA-D4989E304023}"/>
+              </a:ext>
+            </a:extLst>
+          </p:cNvPr>
+          <p:cNvPicPr>
+            <a:picLocks noGrp="1" noChangeAspect="1"/>
+          </p:cNvPicPr>
+          <p:nvPr>
+            <p:ph sz="quarter" idx="4"/>
+          </p:nvPr>
+        </p:nvPicPr>
+        <p:blipFill>
+          <a:blip r:embed="rId3"/>
+          <a:stretch>
+            <a:fillRect/>
+          </a:stretch>
+        </p:blipFill>
+        <p:spPr>
+          <a:xfrm>
+            <a:off x="6259535" y="2752725"/>
+            <a:ext cx="4422129" cy="3041050"/>
+          </a:xfrm>
+        </p:spPr>
+      </p:pic>
+    </p:spTree>
+    <p:extLst>
+      <p:ext uri="{BB962C8B-B14F-4D97-AF65-F5344CB8AC3E}">
+        <p14:creationId xmlns:p14="http://schemas.microsoft.com/office/powerpoint/2010/main" val="1168832088"/>
+      </p:ext>
+    </p:extLst>
+  </p:cSld>
+  <p:clrMapOvr>
+    <a:masterClrMapping/>
+  </p:clrMapOvr>
+</p:sld>
+</file>
+
+<file path=ppt/slides/slide13.xml><?xml version="1.0" encoding="utf-8"?>
+<p:sld xmlns:a="http://schemas.openxmlformats.org/drawingml/2006/main" xmlns:r="http://schemas.openxmlformats.org/officeDocument/2006/relationships" xmlns:p="http://schemas.openxmlformats.org/presentationml/2006/main">
+  <p:cSld>
+    <p:spTree>
+      <p:nvGrpSpPr>
+        <p:cNvPr id="1" name=""/>
+        <p:cNvGrpSpPr/>
+        <p:nvPr/>
+      </p:nvGrpSpPr>
+      <p:grpSpPr>
+        <a:xfrm>
+          <a:off x="0" y="0"/>
+          <a:ext cx="0" cy="0"/>
+          <a:chOff x="0" y="0"/>
+          <a:chExt cx="0" cy="0"/>
+        </a:xfrm>
+      </p:grpSpPr>
+      <p:sp>
+        <p:nvSpPr>
+          <p:cNvPr id="2" name="Title 1">
+            <a:extLst>
+              <a:ext uri="{FF2B5EF4-FFF2-40B4-BE49-F238E27FC236}">
+                <a16:creationId xmlns:a16="http://schemas.microsoft.com/office/drawing/2014/main" id="{5FAB220D-DC91-4141-A59D-BA4FE6D75C36}"/>
+              </a:ext>
+            </a:extLst>
+          </p:cNvPr>
+          <p:cNvSpPr>
+            <a:spLocks noGrp="1"/>
+          </p:cNvSpPr>
+          <p:nvPr>
+            <p:ph type="title"/>
+          </p:nvPr>
+        </p:nvSpPr>
+        <p:spPr/>
+        <p:txBody>
+          <a:bodyPr/>
+          <a:lstStyle/>
+          <a:p>
+            <a:r>
+              <a:rPr lang="fr-FR" dirty="0"/>
+              <a:t>Respect des recommandations pep 8</a:t>
+            </a:r>
+          </a:p>
+        </p:txBody>
+      </p:sp>
+      <p:sp>
+        <p:nvSpPr>
+          <p:cNvPr id="3" name="Text Placeholder 2">
+            <a:extLst>
+              <a:ext uri="{FF2B5EF4-FFF2-40B4-BE49-F238E27FC236}">
+                <a16:creationId xmlns:a16="http://schemas.microsoft.com/office/drawing/2014/main" id="{CE0DC89C-8B10-4D55-BC8F-510E0226770D}"/>
+              </a:ext>
+            </a:extLst>
+          </p:cNvPr>
+          <p:cNvSpPr>
+            <a:spLocks noGrp="1"/>
+          </p:cNvSpPr>
+          <p:nvPr>
+            <p:ph type="body" idx="1"/>
+          </p:nvPr>
+        </p:nvSpPr>
+        <p:spPr/>
+        <p:txBody>
+          <a:bodyPr/>
+          <a:lstStyle/>
+          <a:p>
+            <a:pPr marL="285750" indent="-285750">
+              <a:buFont typeface="Arial" panose="020B0604020202020204" pitchFamily="34" charset="0"/>
+              <a:buChar char="•"/>
+            </a:pPr>
+            <a:r>
+              <a:rPr lang="fr-FR" dirty="0"/>
+              <a:t>Code plus lisible</a:t>
+            </a:r>
+          </a:p>
+          <a:p>
+            <a:pPr marL="285750" indent="-285750">
+              <a:buFont typeface="Arial" panose="020B0604020202020204" pitchFamily="34" charset="0"/>
+              <a:buChar char="•"/>
+            </a:pPr>
+            <a:r>
+              <a:rPr lang="fr-FR" dirty="0"/>
+              <a:t>Meilleure pratique</a:t>
+            </a:r>
+          </a:p>
+        </p:txBody>
+      </p:sp>
+    </p:spTree>
+    <p:extLst>
+      <p:ext uri="{BB962C8B-B14F-4D97-AF65-F5344CB8AC3E}">
+        <p14:creationId xmlns:p14="http://schemas.microsoft.com/office/powerpoint/2010/main" val="3393684210"/>
+      </p:ext>
+    </p:extLst>
+  </p:cSld>
+  <p:clrMapOvr>
+    <a:masterClrMapping/>
+  </p:clrMapOvr>
+</p:sld>
+</file>
+
+<file path=ppt/slides/slide14.xml><?xml version="1.0" encoding="utf-8"?>
+<p:sld xmlns:a="http://schemas.openxmlformats.org/drawingml/2006/main" xmlns:r="http://schemas.openxmlformats.org/officeDocument/2006/relationships" xmlns:p="http://schemas.openxmlformats.org/presentationml/2006/main">
+  <p:cSld>
+    <p:spTree>
+      <p:nvGrpSpPr>
+        <p:cNvPr id="1" name=""/>
+        <p:cNvGrpSpPr/>
+        <p:nvPr/>
+      </p:nvGrpSpPr>
+      <p:grpSpPr>
+        <a:xfrm>
+          <a:off x="0" y="0"/>
+          <a:ext cx="0" cy="0"/>
+          <a:chOff x="0" y="0"/>
+          <a:chExt cx="0" cy="0"/>
+        </a:xfrm>
+      </p:grpSpPr>
+      <p:sp>
+        <p:nvSpPr>
+          <p:cNvPr id="2" name="Content Placeholder 1">
+            <a:extLst>
+              <a:ext uri="{FF2B5EF4-FFF2-40B4-BE49-F238E27FC236}">
+                <a16:creationId xmlns:a16="http://schemas.microsoft.com/office/drawing/2014/main" id="{C1B47340-5613-4CF0-AE34-202C5ECFDE6F}"/>
+              </a:ext>
+            </a:extLst>
+          </p:cNvPr>
+          <p:cNvSpPr>
+            <a:spLocks noGrp="1"/>
+          </p:cNvSpPr>
+          <p:nvPr>
+            <p:ph idx="1"/>
+          </p:nvPr>
+        </p:nvSpPr>
+        <p:spPr/>
+        <p:txBody>
+          <a:bodyPr/>
+          <a:lstStyle/>
+          <a:p>
+            <a:r>
+              <a:rPr lang="fr-FR" dirty="0"/>
+              <a:t>Ajout d’une interface graphique</a:t>
+            </a:r>
+          </a:p>
+          <a:p>
+            <a:r>
+              <a:rPr lang="fr-FR" dirty="0"/>
+              <a:t>Ajout de plus de produits pour meilleure recommandation</a:t>
+            </a:r>
+          </a:p>
+          <a:p>
+            <a:r>
+              <a:rPr lang="fr-FR" dirty="0"/>
+              <a:t>Améliorer la présentation des produits de substitution</a:t>
+            </a:r>
+          </a:p>
+        </p:txBody>
+      </p:sp>
+      <p:sp>
+        <p:nvSpPr>
+          <p:cNvPr id="3" name="Title 2">
+            <a:extLst>
+              <a:ext uri="{FF2B5EF4-FFF2-40B4-BE49-F238E27FC236}">
+                <a16:creationId xmlns:a16="http://schemas.microsoft.com/office/drawing/2014/main" id="{35D56667-7153-4C8D-8549-2F0BAE212600}"/>
+              </a:ext>
+            </a:extLst>
+          </p:cNvPr>
+          <p:cNvSpPr>
+            <a:spLocks noGrp="1"/>
+          </p:cNvSpPr>
+          <p:nvPr>
+            <p:ph type="title"/>
+          </p:nvPr>
+        </p:nvSpPr>
+        <p:spPr/>
+        <p:txBody>
+          <a:bodyPr/>
+          <a:lstStyle/>
+          <a:p>
+            <a:r>
+              <a:rPr lang="fr-FR" dirty="0"/>
+              <a:t>Améliorations possibles</a:t>
+            </a:r>
+          </a:p>
+        </p:txBody>
+      </p:sp>
+    </p:spTree>
+    <p:extLst>
+      <p:ext uri="{BB962C8B-B14F-4D97-AF65-F5344CB8AC3E}">
+        <p14:creationId xmlns:p14="http://schemas.microsoft.com/office/powerpoint/2010/main" val="1285740434"/>
+      </p:ext>
+    </p:extLst>
+  </p:cSld>
+  <p:clrMapOvr>
+    <a:masterClrMapping/>
+  </p:clrMapOvr>
+</p:sld>
+</file>
+
+<file path=ppt/slides/slide15.xml><?xml version="1.0" encoding="utf-8"?>
+<p:sld xmlns:a="http://schemas.openxmlformats.org/drawingml/2006/main" xmlns:r="http://schemas.openxmlformats.org/officeDocument/2006/relationships" xmlns:p="http://schemas.openxmlformats.org/presentationml/2006/main">
+  <p:cSld>
+    <p:spTree>
+      <p:nvGrpSpPr>
+        <p:cNvPr id="1" name=""/>
+        <p:cNvGrpSpPr/>
+        <p:nvPr/>
+      </p:nvGrpSpPr>
+      <p:grpSpPr>
+        <a:xfrm>
+          <a:off x="0" y="0"/>
+          <a:ext cx="0" cy="0"/>
+          <a:chOff x="0" y="0"/>
+          <a:chExt cx="0" cy="0"/>
+        </a:xfrm>
+      </p:grpSpPr>
+      <p:sp>
+        <p:nvSpPr>
+          <p:cNvPr id="2" name="Content Placeholder 1">
+            <a:extLst>
+              <a:ext uri="{FF2B5EF4-FFF2-40B4-BE49-F238E27FC236}">
+                <a16:creationId xmlns:a16="http://schemas.microsoft.com/office/drawing/2014/main" id="{0C42E471-FFE3-4F08-AFE1-175390E086DF}"/>
+              </a:ext>
+            </a:extLst>
+          </p:cNvPr>
+          <p:cNvSpPr>
+            <a:spLocks noGrp="1"/>
+          </p:cNvSpPr>
+          <p:nvPr>
+            <p:ph idx="1"/>
+          </p:nvPr>
+        </p:nvSpPr>
+        <p:spPr/>
+        <p:txBody>
+          <a:bodyPr/>
+          <a:lstStyle/>
+          <a:p>
+            <a:r>
+              <a:rPr lang="fr-FR" dirty="0"/>
+              <a:t>Documentation Open </a:t>
+            </a:r>
+            <a:r>
+              <a:rPr lang="fr-FR" dirty="0" err="1"/>
+              <a:t>food</a:t>
+            </a:r>
+            <a:r>
+              <a:rPr lang="fr-FR" dirty="0"/>
+              <a:t> </a:t>
+            </a:r>
+            <a:r>
+              <a:rPr lang="fr-FR" dirty="0" err="1"/>
+              <a:t>facts</a:t>
+            </a:r>
+            <a:endParaRPr lang="fr-FR" dirty="0"/>
+          </a:p>
+          <a:p>
+            <a:r>
+              <a:rPr lang="fr-FR" dirty="0"/>
+              <a:t>Affichage du détail des produits</a:t>
+            </a:r>
+          </a:p>
+          <a:p>
+            <a:r>
+              <a:rPr lang="fr-FR" dirty="0"/>
+              <a:t>Organisation des classes et fonctions</a:t>
+            </a:r>
+          </a:p>
+          <a:p>
+            <a:r>
+              <a:rPr lang="fr-FR" dirty="0"/>
+              <a:t>Trop de tentatives de connexion </a:t>
+            </a:r>
+            <a:r>
+              <a:rPr lang="fr-FR" dirty="0" err="1"/>
+              <a:t>mysql</a:t>
+            </a:r>
+            <a:r>
+              <a:rPr lang="fr-FR" dirty="0"/>
+              <a:t>-python</a:t>
+            </a:r>
+          </a:p>
+          <a:p>
+            <a:endParaRPr lang="fr-FR" dirty="0"/>
+          </a:p>
+        </p:txBody>
+      </p:sp>
+      <p:sp>
+        <p:nvSpPr>
+          <p:cNvPr id="3" name="Title 2">
+            <a:extLst>
+              <a:ext uri="{FF2B5EF4-FFF2-40B4-BE49-F238E27FC236}">
+                <a16:creationId xmlns:a16="http://schemas.microsoft.com/office/drawing/2014/main" id="{7BFD1238-CAED-4E7C-BA38-6540A4EE603B}"/>
+              </a:ext>
+            </a:extLst>
+          </p:cNvPr>
+          <p:cNvSpPr>
+            <a:spLocks noGrp="1"/>
+          </p:cNvSpPr>
+          <p:nvPr>
+            <p:ph type="title"/>
+          </p:nvPr>
+        </p:nvSpPr>
+        <p:spPr/>
+        <p:txBody>
+          <a:bodyPr/>
+          <a:lstStyle/>
+          <a:p>
+            <a:r>
+              <a:rPr lang="fr-FR" dirty="0"/>
+              <a:t>Difficultés rencontrées</a:t>
+            </a:r>
+          </a:p>
+        </p:txBody>
+      </p:sp>
+    </p:spTree>
+    <p:extLst>
+      <p:ext uri="{BB962C8B-B14F-4D97-AF65-F5344CB8AC3E}">
+        <p14:creationId xmlns:p14="http://schemas.microsoft.com/office/powerpoint/2010/main" val="1561618693"/>
+      </p:ext>
+    </p:extLst>
+  </p:cSld>
+  <p:clrMapOvr>
+    <a:masterClrMapping/>
+  </p:clrMapOvr>
+</p:sld>
+</file>
+
+<file path=ppt/slides/slide16.xml><?xml version="1.0" encoding="utf-8"?>
+<p:sld xmlns:a="http://schemas.openxmlformats.org/drawingml/2006/main" xmlns:r="http://schemas.openxmlformats.org/officeDocument/2006/relationships" xmlns:p="http://schemas.openxmlformats.org/presentationml/2006/main">
+  <p:cSld>
+    <p:spTree>
+      <p:nvGrpSpPr>
+        <p:cNvPr id="1" name=""/>
+        <p:cNvGrpSpPr/>
+        <p:nvPr/>
+      </p:nvGrpSpPr>
+      <p:grpSpPr>
+        <a:xfrm>
+          <a:off x="0" y="0"/>
+          <a:ext cx="0" cy="0"/>
+          <a:chOff x="0" y="0"/>
+          <a:chExt cx="0" cy="0"/>
+        </a:xfrm>
+      </p:grpSpPr>
+      <p:sp>
+        <p:nvSpPr>
+          <p:cNvPr id="2" name="Content Placeholder 1">
+            <a:extLst>
+              <a:ext uri="{FF2B5EF4-FFF2-40B4-BE49-F238E27FC236}">
+                <a16:creationId xmlns:a16="http://schemas.microsoft.com/office/drawing/2014/main" id="{93DE4551-D271-4548-9C8C-E3E54CA3A9E3}"/>
+              </a:ext>
+            </a:extLst>
+          </p:cNvPr>
+          <p:cNvSpPr>
+            <a:spLocks noGrp="1"/>
+          </p:cNvSpPr>
+          <p:nvPr>
+            <p:ph idx="1"/>
+          </p:nvPr>
+        </p:nvSpPr>
+        <p:spPr/>
+        <p:txBody>
+          <a:bodyPr/>
+          <a:lstStyle/>
+          <a:p>
+            <a:r>
+              <a:rPr lang="fr-FR" dirty="0"/>
+              <a:t>Documentations sur google</a:t>
+            </a:r>
+          </a:p>
+          <a:p>
+            <a:r>
+              <a:rPr lang="fr-FR" dirty="0"/>
+              <a:t>Nombreuses phases de tests</a:t>
+            </a:r>
+          </a:p>
+          <a:p>
+            <a:r>
+              <a:rPr lang="fr-FR" dirty="0"/>
+              <a:t>Reprise du  code en amont pour correction</a:t>
+            </a:r>
+          </a:p>
+          <a:p>
+            <a:r>
+              <a:rPr lang="fr-FR" dirty="0"/>
+              <a:t>Création du fichier connexion.py </a:t>
+            </a:r>
+          </a:p>
+        </p:txBody>
+      </p:sp>
+      <p:sp>
+        <p:nvSpPr>
+          <p:cNvPr id="3" name="Title 2">
+            <a:extLst>
+              <a:ext uri="{FF2B5EF4-FFF2-40B4-BE49-F238E27FC236}">
+                <a16:creationId xmlns:a16="http://schemas.microsoft.com/office/drawing/2014/main" id="{AB8A2A46-B35F-47CF-9F79-DB71F3C2100E}"/>
+              </a:ext>
+            </a:extLst>
+          </p:cNvPr>
+          <p:cNvSpPr>
+            <a:spLocks noGrp="1"/>
+          </p:cNvSpPr>
+          <p:nvPr>
+            <p:ph type="title"/>
+          </p:nvPr>
+        </p:nvSpPr>
+        <p:spPr/>
+        <p:txBody>
+          <a:bodyPr/>
+          <a:lstStyle/>
+          <a:p>
+            <a:r>
+              <a:rPr lang="fr-FR" dirty="0"/>
+              <a:t>Solutions</a:t>
+            </a:r>
+          </a:p>
+        </p:txBody>
+      </p:sp>
+    </p:spTree>
+    <p:extLst>
+      <p:ext uri="{BB962C8B-B14F-4D97-AF65-F5344CB8AC3E}">
+        <p14:creationId xmlns:p14="http://schemas.microsoft.com/office/powerpoint/2010/main" val="2323104773"/>
+      </p:ext>
+    </p:extLst>
+  </p:cSld>
+  <p:clrMapOvr>
+    <a:masterClrMapping/>
+  </p:clrMapOvr>
+</p:sld>
+</file>
+
+<file path=ppt/slides/slide17.xml><?xml version="1.0" encoding="utf-8"?>
+<p:sld xmlns:a="http://schemas.openxmlformats.org/drawingml/2006/main" xmlns:r="http://schemas.openxmlformats.org/officeDocument/2006/relationships" xmlns:p="http://schemas.openxmlformats.org/presentationml/2006/main">
+  <p:cSld>
+    <p:spTree>
+      <p:nvGrpSpPr>
+        <p:cNvPr id="1" name=""/>
+        <p:cNvGrpSpPr/>
+        <p:nvPr/>
+      </p:nvGrpSpPr>
+      <p:grpSpPr>
+        <a:xfrm>
+          <a:off x="0" y="0"/>
+          <a:ext cx="0" cy="0"/>
+          <a:chOff x="0" y="0"/>
+          <a:chExt cx="0" cy="0"/>
+        </a:xfrm>
+      </p:grpSpPr>
+      <p:sp>
+        <p:nvSpPr>
+          <p:cNvPr id="2" name="Title 1">
+            <a:extLst>
+              <a:ext uri="{FF2B5EF4-FFF2-40B4-BE49-F238E27FC236}">
+                <a16:creationId xmlns:a16="http://schemas.microsoft.com/office/drawing/2014/main" id="{E36896E3-6555-42BA-B0C2-E7E408E1CF1C}"/>
+              </a:ext>
+            </a:extLst>
+          </p:cNvPr>
+          <p:cNvSpPr>
+            <a:spLocks noGrp="1"/>
+          </p:cNvSpPr>
+          <p:nvPr>
+            <p:ph type="title"/>
+          </p:nvPr>
+        </p:nvSpPr>
+        <p:spPr/>
+        <p:txBody>
+          <a:bodyPr/>
+          <a:lstStyle/>
+          <a:p>
+            <a:r>
+              <a:rPr lang="fr-FR" dirty="0"/>
+              <a:t>Merci !</a:t>
+            </a:r>
+          </a:p>
+        </p:txBody>
+      </p:sp>
+    </p:spTree>
+    <p:extLst>
+      <p:ext uri="{BB962C8B-B14F-4D97-AF65-F5344CB8AC3E}">
+        <p14:creationId xmlns:p14="http://schemas.microsoft.com/office/powerpoint/2010/main" val="760881132"/>
       </p:ext>
     </p:extLst>
   </p:cSld>
@@ -5124,17 +5924,16 @@
             </a:endParaRPr>
           </a:p>
           <a:p>
-            <a:pPr lvl="0"/>
-            <a:endParaRPr lang="en-US" dirty="0">
-              <a:solidFill>
-                <a:srgbClr val="000000"/>
-              </a:solidFill>
-              <a:ea typeface="Tahoma" panose="020B0604030504040204" pitchFamily="34" charset="0"/>
-              <a:cs typeface="Tahoma" panose="020B0604030504040204" pitchFamily="34" charset="0"/>
-            </a:endParaRPr>
-          </a:p>
-          <a:p>
-            <a:pPr lvl="0"/>
+            <a:r>
+              <a:rPr lang="en-US" dirty="0" err="1">
+                <a:solidFill>
+                  <a:srgbClr val="000000"/>
+                </a:solidFill>
+                <a:ea typeface="Tahoma" panose="020B0604030504040204" pitchFamily="34" charset="0"/>
+                <a:cs typeface="Tahoma" panose="020B0604030504040204" pitchFamily="34" charset="0"/>
+              </a:rPr>
+              <a:t>Pylint</a:t>
+            </a:r>
             <a:endParaRPr lang="en-US" dirty="0">
               <a:solidFill>
                 <a:srgbClr val="000000"/>
@@ -5337,6 +6136,33 @@
             <a:endParaRPr lang="en-US" dirty="0"/>
           </a:p>
           <a:p>
+            <a:pPr marL="285750" indent="-285750">
+              <a:buFont typeface="Arial" panose="020B0604020202020204" pitchFamily="34" charset="0"/>
+              <a:buChar char="•"/>
+            </a:pPr>
+            <a:r>
+              <a:rPr lang="en-US" dirty="0" err="1"/>
+              <a:t>Programmation</a:t>
+            </a:r>
+            <a:r>
+              <a:rPr lang="en-US" dirty="0"/>
+              <a:t> </a:t>
+            </a:r>
+            <a:r>
+              <a:rPr lang="en-US" dirty="0" err="1"/>
+              <a:t>orientée</a:t>
+            </a:r>
+            <a:r>
+              <a:rPr lang="en-US" dirty="0"/>
+              <a:t> </a:t>
+            </a:r>
+            <a:r>
+              <a:rPr lang="en-US" dirty="0" err="1"/>
+              <a:t>objet</a:t>
+            </a:r>
+            <a:endParaRPr lang="en-US" dirty="0"/>
+          </a:p>
+          <a:p>
             <a:endParaRPr lang="en-US" dirty="0"/>
           </a:p>
         </p:txBody>
@@ -5629,169 +6455,6 @@
       </p:grpSpPr>
       <p:sp>
         <p:nvSpPr>
-          <p:cNvPr id="2" name="Text Placeholder 1">
-            <a:extLst>
-              <a:ext uri="{FF2B5EF4-FFF2-40B4-BE49-F238E27FC236}">
-                <a16:creationId xmlns:a16="http://schemas.microsoft.com/office/drawing/2014/main" id="{5EE7AAC1-A400-4E3D-882B-ED866756149C}"/>
-              </a:ext>
-            </a:extLst>
-          </p:cNvPr>
-          <p:cNvSpPr>
-            <a:spLocks noGrp="1"/>
-          </p:cNvSpPr>
-          <p:nvPr>
-            <p:ph type="body" idx="1"/>
-          </p:nvPr>
-        </p:nvSpPr>
-        <p:spPr/>
-        <p:txBody>
-          <a:bodyPr/>
-          <a:lstStyle/>
-          <a:p>
-            <a:endParaRPr lang="fr-FR" dirty="0"/>
-          </a:p>
-        </p:txBody>
-      </p:sp>
-      <p:sp>
-        <p:nvSpPr>
-          <p:cNvPr id="3" name="Content Placeholder 2">
-            <a:extLst>
-              <a:ext uri="{FF2B5EF4-FFF2-40B4-BE49-F238E27FC236}">
-                <a16:creationId xmlns:a16="http://schemas.microsoft.com/office/drawing/2014/main" id="{DD58A577-6EB5-481C-8B25-C0E18855CD85}"/>
-              </a:ext>
-            </a:extLst>
-          </p:cNvPr>
-          <p:cNvSpPr>
-            <a:spLocks noGrp="1"/>
-          </p:cNvSpPr>
-          <p:nvPr>
-            <p:ph sz="half" idx="2"/>
-          </p:nvPr>
-        </p:nvSpPr>
-        <p:spPr/>
-        <p:txBody>
-          <a:bodyPr/>
-          <a:lstStyle/>
-          <a:p>
-            <a:endParaRPr lang="fr-FR"/>
-          </a:p>
-        </p:txBody>
-      </p:sp>
-      <p:sp>
-        <p:nvSpPr>
-          <p:cNvPr id="4" name="Text Placeholder 3">
-            <a:extLst>
-              <a:ext uri="{FF2B5EF4-FFF2-40B4-BE49-F238E27FC236}">
-                <a16:creationId xmlns:a16="http://schemas.microsoft.com/office/drawing/2014/main" id="{04A751F4-4708-402B-9AE2-618579FD6814}"/>
-              </a:ext>
-            </a:extLst>
-          </p:cNvPr>
-          <p:cNvSpPr>
-            <a:spLocks noGrp="1"/>
-          </p:cNvSpPr>
-          <p:nvPr>
-            <p:ph type="body" sz="quarter" idx="3"/>
-          </p:nvPr>
-        </p:nvSpPr>
-        <p:spPr/>
-        <p:txBody>
-          <a:bodyPr/>
-          <a:lstStyle/>
-          <a:p>
-            <a:endParaRPr lang="fr-FR"/>
-          </a:p>
-        </p:txBody>
-      </p:sp>
-      <p:sp>
-        <p:nvSpPr>
-          <p:cNvPr id="5" name="Content Placeholder 4">
-            <a:extLst>
-              <a:ext uri="{FF2B5EF4-FFF2-40B4-BE49-F238E27FC236}">
-                <a16:creationId xmlns:a16="http://schemas.microsoft.com/office/drawing/2014/main" id="{5C4B8786-94EE-4984-B7E1-6F4895D33C05}"/>
-              </a:ext>
-            </a:extLst>
-          </p:cNvPr>
-          <p:cNvSpPr>
-            <a:spLocks noGrp="1"/>
-          </p:cNvSpPr>
-          <p:nvPr>
-            <p:ph sz="quarter" idx="4"/>
-          </p:nvPr>
-        </p:nvSpPr>
-        <p:spPr/>
-        <p:txBody>
-          <a:bodyPr/>
-          <a:lstStyle/>
-          <a:p>
-            <a:endParaRPr lang="fr-FR"/>
-          </a:p>
-        </p:txBody>
-      </p:sp>
-      <p:sp>
-        <p:nvSpPr>
-          <p:cNvPr id="6" name="Title 5">
-            <a:extLst>
-              <a:ext uri="{FF2B5EF4-FFF2-40B4-BE49-F238E27FC236}">
-                <a16:creationId xmlns:a16="http://schemas.microsoft.com/office/drawing/2014/main" id="{F3343B63-42E6-44C1-8C4C-C4A2D1C93281}"/>
-              </a:ext>
-            </a:extLst>
-          </p:cNvPr>
-          <p:cNvSpPr>
-            <a:spLocks noGrp="1"/>
-          </p:cNvSpPr>
-          <p:nvPr>
-            <p:ph type="title"/>
-          </p:nvPr>
-        </p:nvSpPr>
-        <p:spPr/>
-        <p:txBody>
-          <a:bodyPr/>
-          <a:lstStyle/>
-          <a:p>
-            <a:r>
-              <a:rPr lang="fr-FR" dirty="0"/>
-              <a:t>Conjuguer python et </a:t>
-            </a:r>
-            <a:r>
-              <a:rPr lang="fr-FR" dirty="0" err="1"/>
-              <a:t>mysql</a:t>
-            </a:r>
-            <a:endParaRPr lang="fr-FR" dirty="0"/>
-          </a:p>
-        </p:txBody>
-      </p:sp>
-    </p:spTree>
-    <p:extLst>
-      <p:ext uri="{BB962C8B-B14F-4D97-AF65-F5344CB8AC3E}">
-        <p14:creationId xmlns:p14="http://schemas.microsoft.com/office/powerpoint/2010/main" val="365945888"/>
-      </p:ext>
-    </p:extLst>
-  </p:cSld>
-  <p:clrMapOvr>
-    <a:masterClrMapping/>
-  </p:clrMapOvr>
-</p:sld>
-</file>
-
-<file path=ppt/slides/slide8.xml><?xml version="1.0" encoding="utf-8"?>
-<p:sld xmlns:a="http://schemas.openxmlformats.org/drawingml/2006/main" xmlns:r="http://schemas.openxmlformats.org/officeDocument/2006/relationships" xmlns:p="http://schemas.openxmlformats.org/presentationml/2006/main">
-  <p:cSld>
-    <p:spTree>
-      <p:nvGrpSpPr>
-        <p:cNvPr id="1" name=""/>
-        <p:cNvGrpSpPr/>
-        <p:nvPr/>
-      </p:nvGrpSpPr>
-      <p:grpSpPr>
-        <a:xfrm>
-          <a:off x="0" y="0"/>
-          <a:ext cx="0" cy="0"/>
-          <a:chOff x="0" y="0"/>
-          <a:chExt cx="0" cy="0"/>
-        </a:xfrm>
-      </p:grpSpPr>
-      <p:sp>
-        <p:nvSpPr>
           <p:cNvPr id="2" name="Title 1">
             <a:extLst>
               <a:ext uri="{FF2B5EF4-FFF2-40B4-BE49-F238E27FC236}">
@@ -6064,6 +6727,191 @@
 </p:sld>
 </file>
 
+<file path=ppt/slides/slide8.xml><?xml version="1.0" encoding="utf-8"?>
+<p:sld xmlns:a="http://schemas.openxmlformats.org/drawingml/2006/main" xmlns:r="http://schemas.openxmlformats.org/officeDocument/2006/relationships" xmlns:p="http://schemas.openxmlformats.org/presentationml/2006/main">
+  <p:cSld>
+    <p:spTree>
+      <p:nvGrpSpPr>
+        <p:cNvPr id="1" name=""/>
+        <p:cNvGrpSpPr/>
+        <p:nvPr/>
+      </p:nvGrpSpPr>
+      <p:grpSpPr>
+        <a:xfrm>
+          <a:off x="0" y="0"/>
+          <a:ext cx="0" cy="0"/>
+          <a:chOff x="0" y="0"/>
+          <a:chExt cx="0" cy="0"/>
+        </a:xfrm>
+      </p:grpSpPr>
+      <p:sp>
+        <p:nvSpPr>
+          <p:cNvPr id="2" name="Text Placeholder 1">
+            <a:extLst>
+              <a:ext uri="{FF2B5EF4-FFF2-40B4-BE49-F238E27FC236}">
+                <a16:creationId xmlns:a16="http://schemas.microsoft.com/office/drawing/2014/main" id="{5EE7AAC1-A400-4E3D-882B-ED866756149C}"/>
+              </a:ext>
+            </a:extLst>
+          </p:cNvPr>
+          <p:cNvSpPr>
+            <a:spLocks noGrp="1"/>
+          </p:cNvSpPr>
+          <p:nvPr>
+            <p:ph type="body" idx="1"/>
+          </p:nvPr>
+        </p:nvSpPr>
+        <p:spPr/>
+        <p:txBody>
+          <a:bodyPr/>
+          <a:lstStyle/>
+          <a:p>
+            <a:r>
+              <a:rPr lang="fr-FR" dirty="0"/>
+              <a:t>Connecter </a:t>
+            </a:r>
+            <a:r>
+              <a:rPr lang="fr-FR" dirty="0" err="1"/>
+              <a:t>mysql</a:t>
+            </a:r>
+            <a:r>
+              <a:rPr lang="fr-FR" dirty="0"/>
+              <a:t> a python</a:t>
+            </a:r>
+          </a:p>
+        </p:txBody>
+      </p:sp>
+      <p:pic>
+        <p:nvPicPr>
+          <p:cNvPr id="8" name="Content Placeholder 7">
+            <a:extLst>
+              <a:ext uri="{FF2B5EF4-FFF2-40B4-BE49-F238E27FC236}">
+                <a16:creationId xmlns:a16="http://schemas.microsoft.com/office/drawing/2014/main" id="{680183C1-A665-4D90-AE14-39C5CE043EA3}"/>
+              </a:ext>
+            </a:extLst>
+          </p:cNvPr>
+          <p:cNvPicPr>
+            <a:picLocks noGrp="1" noChangeAspect="1"/>
+          </p:cNvPicPr>
+          <p:nvPr>
+            <p:ph sz="half" idx="2"/>
+          </p:nvPr>
+        </p:nvPicPr>
+        <p:blipFill>
+          <a:blip r:embed="rId2"/>
+          <a:stretch>
+            <a:fillRect/>
+          </a:stretch>
+        </p:blipFill>
+        <p:spPr>
+          <a:xfrm>
+            <a:off x="1402998" y="2755900"/>
+            <a:ext cx="4413955" cy="2644775"/>
+          </a:xfrm>
+        </p:spPr>
+      </p:pic>
+      <p:sp>
+        <p:nvSpPr>
+          <p:cNvPr id="4" name="Text Placeholder 3">
+            <a:extLst>
+              <a:ext uri="{FF2B5EF4-FFF2-40B4-BE49-F238E27FC236}">
+                <a16:creationId xmlns:a16="http://schemas.microsoft.com/office/drawing/2014/main" id="{04A751F4-4708-402B-9AE2-618579FD6814}"/>
+              </a:ext>
+            </a:extLst>
+          </p:cNvPr>
+          <p:cNvSpPr>
+            <a:spLocks noGrp="1"/>
+          </p:cNvSpPr>
+          <p:nvPr>
+            <p:ph type="body" sz="quarter" idx="3"/>
+          </p:nvPr>
+        </p:nvSpPr>
+        <p:spPr/>
+        <p:txBody>
+          <a:bodyPr/>
+          <a:lstStyle/>
+          <a:p>
+            <a:r>
+              <a:rPr lang="fr-FR" dirty="0"/>
+              <a:t>Ne pas oublier le commit</a:t>
+            </a:r>
+          </a:p>
+        </p:txBody>
+      </p:sp>
+      <p:pic>
+        <p:nvPicPr>
+          <p:cNvPr id="10" name="Content Placeholder 9">
+            <a:extLst>
+              <a:ext uri="{FF2B5EF4-FFF2-40B4-BE49-F238E27FC236}">
+                <a16:creationId xmlns:a16="http://schemas.microsoft.com/office/drawing/2014/main" id="{D06F56AC-2D51-4CD5-9523-70BF2446A8FD}"/>
+              </a:ext>
+            </a:extLst>
+          </p:cNvPr>
+          <p:cNvPicPr>
+            <a:picLocks noGrp="1" noChangeAspect="1"/>
+          </p:cNvPicPr>
+          <p:nvPr>
+            <p:ph sz="quarter" idx="4"/>
+          </p:nvPr>
+        </p:nvPicPr>
+        <p:blipFill>
+          <a:blip r:embed="rId3"/>
+          <a:stretch>
+            <a:fillRect/>
+          </a:stretch>
+        </p:blipFill>
+        <p:spPr>
+          <a:xfrm>
+            <a:off x="6375049" y="2744788"/>
+            <a:ext cx="4787401" cy="2644775"/>
+          </a:xfrm>
+        </p:spPr>
+      </p:pic>
+      <p:sp>
+        <p:nvSpPr>
+          <p:cNvPr id="6" name="Title 5">
+            <a:extLst>
+              <a:ext uri="{FF2B5EF4-FFF2-40B4-BE49-F238E27FC236}">
+                <a16:creationId xmlns:a16="http://schemas.microsoft.com/office/drawing/2014/main" id="{F3343B63-42E6-44C1-8C4C-C4A2D1C93281}"/>
+              </a:ext>
+            </a:extLst>
+          </p:cNvPr>
+          <p:cNvSpPr>
+            <a:spLocks noGrp="1"/>
+          </p:cNvSpPr>
+          <p:nvPr>
+            <p:ph type="title"/>
+          </p:nvPr>
+        </p:nvSpPr>
+        <p:spPr/>
+        <p:txBody>
+          <a:bodyPr/>
+          <a:lstStyle/>
+          <a:p>
+            <a:r>
+              <a:rPr lang="fr-FR" dirty="0"/>
+              <a:t>Conjuguer python et </a:t>
+            </a:r>
+            <a:r>
+              <a:rPr lang="fr-FR" dirty="0" err="1"/>
+              <a:t>mysql</a:t>
+            </a:r>
+            <a:endParaRPr lang="fr-FR" dirty="0"/>
+          </a:p>
+        </p:txBody>
+      </p:sp>
+    </p:spTree>
+    <p:extLst>
+      <p:ext uri="{BB962C8B-B14F-4D97-AF65-F5344CB8AC3E}">
+        <p14:creationId xmlns:p14="http://schemas.microsoft.com/office/powerpoint/2010/main" val="365945888"/>
+      </p:ext>
+    </p:extLst>
+  </p:cSld>
+  <p:clrMapOvr>
+    <a:masterClrMapping/>
+  </p:clrMapOvr>
+</p:sld>
+</file>
+
 <file path=ppt/slides/slide9.xml><?xml version="1.0" encoding="utf-8"?>
 <p:sld xmlns:a="http://schemas.openxmlformats.org/drawingml/2006/main" xmlns:r="http://schemas.openxmlformats.org/officeDocument/2006/relationships" xmlns:p="http://schemas.openxmlformats.org/presentationml/2006/main">
   <p:cSld>
@@ -6104,7 +6952,15 @@
           <a:p>
             <a:r>
               <a:rPr lang="fr-FR" dirty="0"/>
-              <a:t>Extraire les données de l’api </a:t>
+              <a:t>Extraire les données de l’api(</a:t>
+            </a:r>
+            <a:r>
+              <a:rPr lang="fr-FR" dirty="0" err="1"/>
+              <a:t>requests</a:t>
+            </a:r>
+            <a:r>
+              <a:rPr lang="fr-FR" dirty="0"/>
+              <a:t>) </a:t>
             </a:r>
           </a:p>
         </p:txBody>
@@ -6149,70 +7005,12 @@
           </a:p>
         </p:txBody>
       </p:sp>
-      <p:sp>
-        <p:nvSpPr>
-          <p:cNvPr id="5" name="Content Placeholder 4">
-            <a:extLst>
-              <a:ext uri="{FF2B5EF4-FFF2-40B4-BE49-F238E27FC236}">
-                <a16:creationId xmlns:a16="http://schemas.microsoft.com/office/drawing/2014/main" id="{CCD378B4-4A66-43C5-884E-0DB62DC334AB}"/>
-              </a:ext>
-            </a:extLst>
-          </p:cNvPr>
-          <p:cNvSpPr>
-            <a:spLocks noGrp="1"/>
-          </p:cNvSpPr>
-          <p:nvPr>
-            <p:ph sz="quarter" idx="4"/>
-          </p:nvPr>
-        </p:nvSpPr>
-        <p:spPr>
-          <a:xfrm>
-            <a:off x="6252486" y="2752737"/>
-            <a:ext cx="4645152" cy="2885775"/>
-          </a:xfrm>
-        </p:spPr>
-        <p:txBody>
-          <a:bodyPr/>
-          <a:lstStyle/>
-          <a:p>
-            <a:endParaRPr lang="fr-FR" dirty="0"/>
-          </a:p>
-        </p:txBody>
-      </p:sp>
-      <p:sp>
-        <p:nvSpPr>
-          <p:cNvPr id="6" name="Title 5">
-            <a:extLst>
-              <a:ext uri="{FF2B5EF4-FFF2-40B4-BE49-F238E27FC236}">
-                <a16:creationId xmlns:a16="http://schemas.microsoft.com/office/drawing/2014/main" id="{6B8B529A-D184-4756-90A8-435D4E020EC8}"/>
-              </a:ext>
-            </a:extLst>
-          </p:cNvPr>
-          <p:cNvSpPr>
-            <a:spLocks noGrp="1"/>
-          </p:cNvSpPr>
-          <p:nvPr>
-            <p:ph type="title"/>
-          </p:nvPr>
-        </p:nvSpPr>
-        <p:spPr/>
-        <p:txBody>
-          <a:bodyPr/>
-          <a:lstStyle/>
-          <a:p>
-            <a:r>
-              <a:rPr lang="fr-FR" dirty="0"/>
-              <a:t>Remplir la base de données</a:t>
-            </a:r>
-          </a:p>
-        </p:txBody>
-      </p:sp>
       <p:pic>
         <p:nvPicPr>
-          <p:cNvPr id="12" name="Content Placeholder 11">
+          <p:cNvPr id="11" name="Content Placeholder 10">
             <a:extLst>
               <a:ext uri="{FF2B5EF4-FFF2-40B4-BE49-F238E27FC236}">
-                <a16:creationId xmlns:a16="http://schemas.microsoft.com/office/drawing/2014/main" id="{44A18845-C4FF-43CD-8D5B-53303C74DE10}"/>
+                <a16:creationId xmlns:a16="http://schemas.microsoft.com/office/drawing/2014/main" id="{A600146B-DC4E-4BB6-BC44-34BE54CFBBD3}"/>
               </a:ext>
             </a:extLst>
           </p:cNvPr>
@@ -6220,11 +7018,68 @@
             <a:picLocks noGrp="1" noChangeAspect="1"/>
           </p:cNvPicPr>
           <p:nvPr>
-            <p:ph sz="half" idx="2"/>
+            <p:ph sz="quarter" idx="4"/>
           </p:nvPr>
         </p:nvPicPr>
         <p:blipFill>
           <a:blip r:embed="rId2"/>
+          <a:stretch>
+            <a:fillRect/>
+          </a:stretch>
+        </p:blipFill>
+        <p:spPr>
+          <a:xfrm>
+            <a:off x="6253163" y="2752739"/>
+            <a:ext cx="4645025" cy="2885774"/>
+          </a:xfrm>
+        </p:spPr>
+      </p:pic>
+      <p:sp>
+        <p:nvSpPr>
+          <p:cNvPr id="6" name="Title 5">
+            <a:extLst>
+              <a:ext uri="{FF2B5EF4-FFF2-40B4-BE49-F238E27FC236}">
+                <a16:creationId xmlns:a16="http://schemas.microsoft.com/office/drawing/2014/main" id="{6B8B529A-D184-4756-90A8-435D4E020EC8}"/>
+              </a:ext>
+            </a:extLst>
+          </p:cNvPr>
+          <p:cNvSpPr>
+            <a:spLocks noGrp="1"/>
+          </p:cNvSpPr>
+          <p:nvPr>
+            <p:ph type="title"/>
+          </p:nvPr>
+        </p:nvSpPr>
+        <p:spPr/>
+        <p:txBody>
+          <a:bodyPr/>
+          <a:lstStyle/>
+          <a:p>
+            <a:r>
+              <a:rPr lang="fr-FR" dirty="0"/>
+              <a:t>initialiser la base de données</a:t>
+            </a:r>
+          </a:p>
+        </p:txBody>
+      </p:sp>
+      <p:pic>
+        <p:nvPicPr>
+          <p:cNvPr id="12" name="Content Placeholder 11">
+            <a:extLst>
+              <a:ext uri="{FF2B5EF4-FFF2-40B4-BE49-F238E27FC236}">
+                <a16:creationId xmlns:a16="http://schemas.microsoft.com/office/drawing/2014/main" id="{44A18845-C4FF-43CD-8D5B-53303C74DE10}"/>
+              </a:ext>
+            </a:extLst>
+          </p:cNvPr>
+          <p:cNvPicPr>
+            <a:picLocks noGrp="1" noChangeAspect="1"/>
+          </p:cNvPicPr>
+          <p:nvPr>
+            <p:ph sz="half" idx="2"/>
+          </p:nvPr>
+        </p:nvPicPr>
+        <p:blipFill>
+          <a:blip r:embed="rId3"/>
           <a:stretch>
             <a:fillRect/>
           </a:stretch>
@@ -6504,6 +7359,15 @@
 </file>
 
 <file path=customXml/item2.xml><?xml version="1.0" encoding="utf-8"?>
+<?mso-contentType ?>
+<FormTemplates xmlns="http://schemas.microsoft.com/sharepoint/v3/contenttype/forms">
+  <Display>DocumentLibraryForm</Display>
+  <Edit>DocumentLibraryForm</Edit>
+  <New>DocumentLibraryForm</New>
+</FormTemplates>
+</file>
+
+<file path=customXml/item3.xml><?xml version="1.0" encoding="utf-8"?>
 <ct:contentTypeSchema xmlns:ct="http://schemas.microsoft.com/office/2006/metadata/contentType" xmlns:ma="http://schemas.microsoft.com/office/2006/metadata/properties/metaAttributes" ct:_="" ma:_="" ma:contentTypeName="Document" ma:contentTypeID="0x010100DEEA25CC0A0AC24199CDC46C25B8B0BC" ma:contentTypeVersion="10" ma:contentTypeDescription="Create a new document." ma:contentTypeScope="" ma:versionID="e3b47856d4cf355c0dacb39e1084d14f">
   <xsd:schema xmlns:xsd="http://www.w3.org/2001/XMLSchema" xmlns:xs="http://www.w3.org/2001/XMLSchema" xmlns:p="http://schemas.microsoft.com/office/2006/metadata/properties" xmlns:ns1="http://schemas.microsoft.com/sharepoint/v3" xmlns:ns2="6dc4bcd6-49db-4c07-9060-8acfc67cef9f" xmlns:ns3="fb0879af-3eba-417a-a55a-ffe6dcd6ca77" targetNamespace="http://schemas.microsoft.com/office/2006/metadata/properties" ma:root="true" ma:fieldsID="a845a615265fdb1f7b12cc65ac20ecbd" ns1:_="" ns2:_="" ns3:_="">
     <xsd:import namespace="http://schemas.microsoft.com/sharepoint/v3"/>
@@ -6711,34 +7575,33 @@
 </ct:contentTypeSchema>
 </file>
 
-<file path=customXml/item3.xml><?xml version="1.0" encoding="utf-8"?>
-<?mso-contentType ?>
-<FormTemplates xmlns="http://schemas.microsoft.com/sharepoint/v3/contenttype/forms">
-  <Display>DocumentLibraryForm</Display>
-  <Edit>DocumentLibraryForm</Edit>
-  <New>DocumentLibraryForm</New>
-</FormTemplates>
-</file>
-
 <file path=customXml/itemProps1.xml><?xml version="1.0" encoding="utf-8"?>
 <ds:datastoreItem xmlns:ds="http://schemas.openxmlformats.org/officeDocument/2006/customXml" ds:itemID="{816B76F2-1AE1-4A2A-A5B3-D462CC5E81F8}">
   <ds:schemaRefs>
-    <ds:schemaRef ds:uri="http://purl.org/dc/dcmitype/"/>
     <ds:schemaRef ds:uri="6dc4bcd6-49db-4c07-9060-8acfc67cef9f"/>
-    <ds:schemaRef ds:uri="http://schemas.microsoft.com/office/infopath/2007/PartnerControls"/>
     <ds:schemaRef ds:uri="http://purl.org/dc/elements/1.1/"/>
     <ds:schemaRef ds:uri="http://schemas.microsoft.com/office/2006/metadata/properties"/>
-    <ds:schemaRef ds:uri="http://schemas.openxmlformats.org/package/2006/metadata/core-properties"/>
     <ds:schemaRef ds:uri="http://schemas.microsoft.com/office/2006/documentManagement/types"/>
     <ds:schemaRef ds:uri="fb0879af-3eba-417a-a55a-ffe6dcd6ca77"/>
+    <ds:schemaRef ds:uri="http://purl.org/dc/terms/"/>
     <ds:schemaRef ds:uri="http://schemas.microsoft.com/sharepoint/v3"/>
+    <ds:schemaRef ds:uri="http://purl.org/dc/dcmitype/"/>
+    <ds:schemaRef ds:uri="http://schemas.openxmlformats.org/package/2006/metadata/core-properties"/>
+    <ds:schemaRef ds:uri="http://schemas.microsoft.com/office/infopath/2007/PartnerControls"/>
     <ds:schemaRef ds:uri="http://www.w3.org/XML/1998/namespace"/>
-    <ds:schemaRef ds:uri="http://purl.org/dc/terms/"/>
   </ds:schemaRefs>
 </ds:datastoreItem>
 </file>
 
 <file path=customXml/itemProps2.xml><?xml version="1.0" encoding="utf-8"?>
+<ds:datastoreItem xmlns:ds="http://schemas.openxmlformats.org/officeDocument/2006/customXml" ds:itemID="{30ECC70E-6674-4337-B48B-AF4F8832F1E5}">
+  <ds:schemaRefs>
+    <ds:schemaRef ds:uri="http://schemas.microsoft.com/sharepoint/v3/contenttype/forms"/>
+  </ds:schemaRefs>
+</ds:datastoreItem>
+</file>
+
+<file path=customXml/itemProps3.xml><?xml version="1.0" encoding="utf-8"?>
 <ds:datastoreItem xmlns:ds="http://schemas.openxmlformats.org/officeDocument/2006/customXml" ds:itemID="{D2BAE40F-4B14-4E0B-9265-745AD5E2D42F}">
   <ds:schemaRefs>
     <ds:schemaRef ds:uri="http://schemas.microsoft.com/office/2006/metadata/contentType"/>
@@ -6756,12 +7619,4 @@
     <ds:schemaRef ds:uri="http://schemas.microsoft.com/internal/obd"/>
   </ds:schemaRefs>
 </ds:datastoreItem>
-</file>
-
-<file path=customXml/itemProps3.xml><?xml version="1.0" encoding="utf-8"?>
-<ds:datastoreItem xmlns:ds="http://schemas.openxmlformats.org/officeDocument/2006/customXml" ds:itemID="{30ECC70E-6674-4337-B48B-AF4F8832F1E5}">
-  <ds:schemaRefs>
-    <ds:schemaRef ds:uri="http://schemas.microsoft.com/sharepoint/v3/contenttype/forms"/>
-  </ds:schemaRefs>
-</ds:datastoreItem>
 </file>
--- a/SLIDESHOW PROJECT 5.pptx
+++ b/SLIDESHOW PROJECT 5.pptx
@@ -4885,15 +4885,7 @@
           <a:p>
             <a:r>
               <a:rPr lang="fr-FR" dirty="0"/>
-              <a:t>Trop de tentatives de connexion </a:t>
-            </a:r>
-            <a:r>
-              <a:rPr lang="fr-FR" dirty="0" err="1"/>
-              <a:t>mysql</a:t>
-            </a:r>
-            <a:r>
-              <a:rPr lang="fr-FR" dirty="0"/>
-              <a:t>-python</a:t>
+              <a:t>Affichage des éléments de la table substitut</a:t>
             </a:r>
           </a:p>
           <a:p>
@@ -5000,7 +4992,15 @@
           <a:p>
             <a:r>
               <a:rPr lang="fr-FR" dirty="0"/>
-              <a:t>Création du fichier connexion.py </a:t>
+              <a:t>Amélioration </a:t>
+            </a:r>
+            <a:r>
+              <a:rPr lang="fr-FR"/>
+              <a:t>des boucles des </a:t>
+            </a:r>
+            <a:r>
+              <a:rPr lang="fr-FR" dirty="0"/>
+              <a:t>fonctions d’affichage </a:t>
             </a:r>
           </a:p>
         </p:txBody>
@@ -7350,21 +7350,21 @@
 </file>
 
 <file path=customXml/item1.xml><?xml version="1.0" encoding="utf-8"?>
+<?mso-contentType ?>
+<FormTemplates xmlns="http://schemas.microsoft.com/sharepoint/v3/contenttype/forms">
+  <Display>DocumentLibraryForm</Display>
+  <Edit>DocumentLibraryForm</Edit>
+  <New>DocumentLibraryForm</New>
+</FormTemplates>
+</file>
+
+<file path=customXml/item2.xml><?xml version="1.0" encoding="utf-8"?>
 <p:properties xmlns:p="http://schemas.microsoft.com/office/2006/metadata/properties" xmlns:xsi="http://www.w3.org/2001/XMLSchema-instance" xmlns:pc="http://schemas.microsoft.com/office/infopath/2007/PartnerControls">
   <documentManagement>
     <_ip_UnifiedCompliancePolicyUIAction xmlns="http://schemas.microsoft.com/sharepoint/v3" xsi:nil="true"/>
     <_ip_UnifiedCompliancePolicyProperties xmlns="http://schemas.microsoft.com/sharepoint/v3" xsi:nil="true"/>
   </documentManagement>
 </p:properties>
-</file>
-
-<file path=customXml/item2.xml><?xml version="1.0" encoding="utf-8"?>
-<?mso-contentType ?>
-<FormTemplates xmlns="http://schemas.microsoft.com/sharepoint/v3/contenttype/forms">
-  <Display>DocumentLibraryForm</Display>
-  <Edit>DocumentLibraryForm</Edit>
-  <New>DocumentLibraryForm</New>
-</FormTemplates>
 </file>
 
 <file path=customXml/item3.xml><?xml version="1.0" encoding="utf-8"?>
@@ -7576,6 +7576,14 @@
 </file>
 
 <file path=customXml/itemProps1.xml><?xml version="1.0" encoding="utf-8"?>
+<ds:datastoreItem xmlns:ds="http://schemas.openxmlformats.org/officeDocument/2006/customXml" ds:itemID="{30ECC70E-6674-4337-B48B-AF4F8832F1E5}">
+  <ds:schemaRefs>
+    <ds:schemaRef ds:uri="http://schemas.microsoft.com/sharepoint/v3/contenttype/forms"/>
+  </ds:schemaRefs>
+</ds:datastoreItem>
+</file>
+
+<file path=customXml/itemProps2.xml><?xml version="1.0" encoding="utf-8"?>
 <ds:datastoreItem xmlns:ds="http://schemas.openxmlformats.org/officeDocument/2006/customXml" ds:itemID="{816B76F2-1AE1-4A2A-A5B3-D462CC5E81F8}">
   <ds:schemaRefs>
     <ds:schemaRef ds:uri="6dc4bcd6-49db-4c07-9060-8acfc67cef9f"/>
@@ -7589,14 +7597,6 @@
     <ds:schemaRef ds:uri="http://schemas.openxmlformats.org/package/2006/metadata/core-properties"/>
     <ds:schemaRef ds:uri="http://schemas.microsoft.com/office/infopath/2007/PartnerControls"/>
     <ds:schemaRef ds:uri="http://www.w3.org/XML/1998/namespace"/>
-  </ds:schemaRefs>
-</ds:datastoreItem>
-</file>
-
-<file path=customXml/itemProps2.xml><?xml version="1.0" encoding="utf-8"?>
-<ds:datastoreItem xmlns:ds="http://schemas.openxmlformats.org/officeDocument/2006/customXml" ds:itemID="{30ECC70E-6674-4337-B48B-AF4F8832F1E5}">
-  <ds:schemaRefs>
-    <ds:schemaRef ds:uri="http://schemas.microsoft.com/sharepoint/v3/contenttype/forms"/>
   </ds:schemaRefs>
 </ds:datastoreItem>
 </file>

--- a/SLIDESHOW PROJECT 5.pptx
+++ b/SLIDESHOW PROJECT 5.pptx
@@ -272,7 +272,7 @@
           <a:p>
             <a:fld id="{2D202488-4139-4052-B998-251C9C912739}" type="datetimeFigureOut">
               <a:rPr lang="en-US" smtClean="0"/>
-              <a:t>3/15/2019</a:t>
+              <a:t>3/18/2019</a:t>
             </a:fld>
             <a:endParaRPr lang="en-US"/>
           </a:p>
@@ -724,7 +724,7 @@
             <a:fld id="{2D202488-4139-4052-B998-251C9C912739}" type="datetimeFigureOut">
               <a:rPr lang="en-US" smtClean="0"/>
               <a:pPr/>
-              <a:t>3/15/2019</a:t>
+              <a:t>3/18/2019</a:t>
             </a:fld>
             <a:endParaRPr lang="en-US"/>
           </a:p>
@@ -908,7 +908,7 @@
           <a:p>
             <a:fld id="{2D202488-4139-4052-B998-251C9C912739}" type="datetimeFigureOut">
               <a:rPr lang="en-US" smtClean="0"/>
-              <a:t>3/15/2019</a:t>
+              <a:t>3/18/2019</a:t>
             </a:fld>
             <a:endParaRPr lang="en-US"/>
           </a:p>
@@ -1216,7 +1216,7 @@
           <a:p>
             <a:fld id="{2D202488-4139-4052-B998-251C9C912739}" type="datetimeFigureOut">
               <a:rPr lang="en-US" smtClean="0"/>
-              <a:t>3/15/2019</a:t>
+              <a:t>3/18/2019</a:t>
             </a:fld>
             <a:endParaRPr lang="en-US"/>
           </a:p>
@@ -1457,7 +1457,7 @@
           <a:p>
             <a:fld id="{2D202488-4139-4052-B998-251C9C912739}" type="datetimeFigureOut">
               <a:rPr lang="en-US" smtClean="0"/>
-              <a:t>3/15/2019</a:t>
+              <a:t>3/18/2019</a:t>
             </a:fld>
             <a:endParaRPr lang="en-US"/>
           </a:p>
@@ -1880,7 +1880,7 @@
           <a:p>
             <a:fld id="{2D202488-4139-4052-B998-251C9C912739}" type="datetimeFigureOut">
               <a:rPr lang="en-US" smtClean="0"/>
-              <a:t>3/15/2019</a:t>
+              <a:t>3/18/2019</a:t>
             </a:fld>
             <a:endParaRPr lang="en-US"/>
           </a:p>
@@ -2041,7 +2041,7 @@
           <a:p>
             <a:fld id="{2D202488-4139-4052-B998-251C9C912739}" type="datetimeFigureOut">
               <a:rPr lang="en-US" smtClean="0"/>
-              <a:t>3/15/2019</a:t>
+              <a:t>3/18/2019</a:t>
             </a:fld>
             <a:endParaRPr lang="en-US"/>
           </a:p>
@@ -2202,7 +2202,7 @@
           <a:p>
             <a:fld id="{2D202488-4139-4052-B998-251C9C912739}" type="datetimeFigureOut">
               <a:rPr lang="en-US" smtClean="0"/>
-              <a:t>3/15/2019</a:t>
+              <a:t>3/18/2019</a:t>
             </a:fld>
             <a:endParaRPr lang="en-US"/>
           </a:p>
@@ -2420,7 +2420,7 @@
           <a:p>
             <a:fld id="{2D202488-4139-4052-B998-251C9C912739}" type="datetimeFigureOut">
               <a:rPr lang="en-US" smtClean="0"/>
-              <a:t>3/15/2019</a:t>
+              <a:t>3/18/2019</a:t>
             </a:fld>
             <a:endParaRPr lang="en-US"/>
           </a:p>
@@ -2703,7 +2703,7 @@
           <a:p>
             <a:fld id="{2D202488-4139-4052-B998-251C9C912739}" type="datetimeFigureOut">
               <a:rPr lang="en-US" smtClean="0"/>
-              <a:t>3/15/2019</a:t>
+              <a:t>3/18/2019</a:t>
             </a:fld>
             <a:endParaRPr lang="en-US"/>
           </a:p>
@@ -3485,7 +3485,7 @@
             <a:fld id="{2D202488-4139-4052-B998-251C9C912739}" type="datetimeFigureOut">
               <a:rPr lang="en-US" smtClean="0"/>
               <a:pPr/>
-              <a:t>3/15/2019</a:t>
+              <a:t>3/18/2019</a:t>
             </a:fld>
             <a:endParaRPr lang="en-US"/>
           </a:p>
@@ -5169,7 +5169,15 @@
           <a:p>
             <a:r>
               <a:rPr lang="en-US" dirty="0"/>
-              <a:t>Use public data from openfoodfacts</a:t>
+              <a:t>Application pour </a:t>
+            </a:r>
+            <a:r>
+              <a:rPr lang="en-US" dirty="0" err="1"/>
+              <a:t>pur</a:t>
+            </a:r>
+            <a:r>
+              <a:rPr lang="en-US" dirty="0"/>
+              <a:t> beurre</a:t>
             </a:r>
           </a:p>
         </p:txBody>
@@ -5197,93 +5205,13 @@
           <a:p>
             <a:r>
               <a:rPr lang="fr-FR" dirty="0"/>
-              <a:t>A french </a:t>
-            </a:r>
-            <a:r>
-              <a:rPr lang="fr-FR" dirty="0" err="1"/>
-              <a:t>company</a:t>
-            </a:r>
+              <a:t>Une compagnie française veut créer une application qui aide les consommateurs à changer leurs habitudes alimentaires en proposant un produit de meilleure qualité.</a:t>
+            </a:r>
+          </a:p>
+          <a:p>
             <a:r>
               <a:rPr lang="fr-FR" dirty="0"/>
-              <a:t> </a:t>
-            </a:r>
-            <a:r>
-              <a:rPr lang="fr-FR" dirty="0" err="1"/>
-              <a:t>wants</a:t>
-            </a:r>
-            <a:r>
-              <a:rPr lang="fr-FR" dirty="0"/>
-              <a:t> to </a:t>
-            </a:r>
-            <a:r>
-              <a:rPr lang="fr-FR" dirty="0" err="1"/>
-              <a:t>create</a:t>
-            </a:r>
-            <a:r>
-              <a:rPr lang="fr-FR" dirty="0"/>
-              <a:t> an application </a:t>
-            </a:r>
-            <a:r>
-              <a:rPr lang="fr-FR" dirty="0" err="1"/>
-              <a:t>that</a:t>
-            </a:r>
-            <a:r>
-              <a:rPr lang="fr-FR" dirty="0"/>
-              <a:t> </a:t>
-            </a:r>
-            <a:r>
-              <a:rPr lang="fr-FR" dirty="0" err="1"/>
-              <a:t>helps</a:t>
-            </a:r>
-            <a:r>
-              <a:rPr lang="fr-FR" dirty="0"/>
-              <a:t> </a:t>
-            </a:r>
-            <a:r>
-              <a:rPr lang="fr-FR" dirty="0" err="1"/>
-              <a:t>consumers</a:t>
-            </a:r>
-            <a:r>
-              <a:rPr lang="fr-FR" dirty="0"/>
-              <a:t> to change </a:t>
-            </a:r>
-            <a:r>
-              <a:rPr lang="fr-FR" dirty="0" err="1"/>
-              <a:t>their</a:t>
-            </a:r>
-            <a:r>
-              <a:rPr lang="fr-FR" dirty="0"/>
-              <a:t> nutrition.</a:t>
-            </a:r>
-          </a:p>
-          <a:p>
-            <a:r>
-              <a:rPr lang="fr-FR" dirty="0"/>
-              <a:t>This program </a:t>
-            </a:r>
-            <a:r>
-              <a:rPr lang="fr-FR" dirty="0" err="1"/>
-              <a:t>will</a:t>
-            </a:r>
-            <a:r>
-              <a:rPr lang="fr-FR" dirty="0"/>
-              <a:t> </a:t>
-            </a:r>
-            <a:r>
-              <a:rPr lang="fr-FR" dirty="0" err="1"/>
-              <a:t>interact</a:t>
-            </a:r>
-            <a:r>
-              <a:rPr lang="fr-FR" dirty="0"/>
-              <a:t> </a:t>
-            </a:r>
-            <a:r>
-              <a:rPr lang="fr-FR" dirty="0" err="1"/>
-              <a:t>with</a:t>
-            </a:r>
-            <a:r>
-              <a:rPr lang="fr-FR" dirty="0"/>
-              <a:t> the Open Food </a:t>
+              <a:t>Le programme contiendra les données publiques de l’Open Food </a:t>
             </a:r>
             <a:r>
               <a:rPr lang="fr-FR" dirty="0" err="1"/>
@@ -5291,61 +5219,13 @@
             </a:r>
             <a:r>
               <a:rPr lang="fr-FR" dirty="0"/>
-              <a:t> </a:t>
-            </a:r>
-            <a:r>
-              <a:rPr lang="fr-FR" dirty="0" err="1"/>
-              <a:t>database</a:t>
-            </a:r>
+              <a:t> dans le but de collecter les aliments français.</a:t>
+            </a:r>
+          </a:p>
+          <a:p>
             <a:r>
               <a:rPr lang="fr-FR" dirty="0"/>
-              <a:t> in </a:t>
-            </a:r>
-            <a:r>
-              <a:rPr lang="fr-FR" dirty="0" err="1"/>
-              <a:t>order</a:t>
-            </a:r>
-            <a:r>
-              <a:rPr lang="fr-FR" dirty="0"/>
-              <a:t> to </a:t>
-            </a:r>
-            <a:r>
-              <a:rPr lang="fr-FR" dirty="0" err="1"/>
-              <a:t>collect</a:t>
-            </a:r>
-            <a:r>
-              <a:rPr lang="fr-FR" dirty="0"/>
-              <a:t> </a:t>
-            </a:r>
-            <a:r>
-              <a:rPr lang="fr-FR" dirty="0" err="1"/>
-              <a:t>these</a:t>
-            </a:r>
-            <a:r>
-              <a:rPr lang="fr-FR" dirty="0"/>
-              <a:t> </a:t>
-            </a:r>
-            <a:r>
-              <a:rPr lang="fr-FR" dirty="0" err="1"/>
-              <a:t>products</a:t>
-            </a:r>
-            <a:r>
-              <a:rPr lang="fr-FR" dirty="0"/>
-              <a:t> and </a:t>
-            </a:r>
-            <a:r>
-              <a:rPr lang="fr-FR" dirty="0" err="1"/>
-              <a:t>its</a:t>
-            </a:r>
-            <a:r>
-              <a:rPr lang="fr-FR" dirty="0"/>
-              <a:t> informations.</a:t>
-            </a:r>
-          </a:p>
-          <a:p>
-            <a:r>
-              <a:rPr lang="fr-FR" dirty="0"/>
-              <a:t>The program compares </a:t>
+              <a:t>Le programme compare leur </a:t>
             </a:r>
             <a:r>
               <a:rPr lang="fr-FR" dirty="0" err="1"/>
@@ -5353,69 +5233,17 @@
             </a:r>
             <a:r>
               <a:rPr lang="fr-FR" dirty="0"/>
-              <a:t> et </a:t>
-            </a:r>
-            <a:r>
-              <a:rPr lang="fr-FR" dirty="0" err="1"/>
-              <a:t>recommend</a:t>
+              <a:t> respectif et recommande un produit au meilleur grade.</a:t>
+            </a:r>
+          </a:p>
+          <a:p>
+            <a:r>
+              <a:rPr lang="fr-FR"/>
+              <a:t>Si </a:t>
             </a:r>
             <a:r>
               <a:rPr lang="fr-FR" dirty="0"/>
-              <a:t> a more </a:t>
-            </a:r>
-            <a:r>
-              <a:rPr lang="fr-FR" dirty="0" err="1"/>
-              <a:t>healthy</a:t>
-            </a:r>
-            <a:r>
-              <a:rPr lang="fr-FR" dirty="0"/>
-              <a:t> substitute.</a:t>
-            </a:r>
-          </a:p>
-          <a:p>
-            <a:r>
-              <a:rPr lang="fr-FR" dirty="0"/>
-              <a:t>If the user likes the substitute, </a:t>
-            </a:r>
-            <a:r>
-              <a:rPr lang="fr-FR" dirty="0" err="1"/>
-              <a:t>he</a:t>
-            </a:r>
-            <a:r>
-              <a:rPr lang="fr-FR" dirty="0"/>
-              <a:t> can </a:t>
-            </a:r>
-            <a:r>
-              <a:rPr lang="fr-FR" dirty="0" err="1"/>
-              <a:t>save</a:t>
-            </a:r>
-            <a:r>
-              <a:rPr lang="fr-FR" dirty="0"/>
-              <a:t> </a:t>
-            </a:r>
-            <a:r>
-              <a:rPr lang="fr-FR" dirty="0" err="1"/>
-              <a:t>it</a:t>
-            </a:r>
-            <a:r>
-              <a:rPr lang="fr-FR" dirty="0"/>
-              <a:t> to </a:t>
-            </a:r>
-            <a:r>
-              <a:rPr lang="fr-FR" dirty="0" err="1"/>
-              <a:t>his</a:t>
-            </a:r>
-            <a:r>
-              <a:rPr lang="fr-FR" dirty="0"/>
-              <a:t> favorite </a:t>
-            </a:r>
-            <a:r>
-              <a:rPr lang="fr-FR" dirty="0" err="1"/>
-              <a:t>list</a:t>
-            </a:r>
-            <a:r>
-              <a:rPr lang="fr-FR" dirty="0"/>
-              <a:t>. </a:t>
+              <a:t>l’utilisateur apprécie le substitut, il pourra l’enregistrer pour le consulter plus tard.</a:t>
             </a:r>
             <a:endParaRPr lang="en-US" dirty="0"/>
           </a:p>
@@ -7350,21 +7178,21 @@
 </file>
 
 <file path=customXml/item1.xml><?xml version="1.0" encoding="utf-8"?>
+<p:properties xmlns:p="http://schemas.microsoft.com/office/2006/metadata/properties" xmlns:xsi="http://www.w3.org/2001/XMLSchema-instance" xmlns:pc="http://schemas.microsoft.com/office/infopath/2007/PartnerControls">
+  <documentManagement>
+    <_ip_UnifiedCompliancePolicyUIAction xmlns="http://schemas.microsoft.com/sharepoint/v3" xsi:nil="true"/>
+    <_ip_UnifiedCompliancePolicyProperties xmlns="http://schemas.microsoft.com/sharepoint/v3" xsi:nil="true"/>
+  </documentManagement>
+</p:properties>
+</file>
+
+<file path=customXml/item2.xml><?xml version="1.0" encoding="utf-8"?>
 <?mso-contentType ?>
 <FormTemplates xmlns="http://schemas.microsoft.com/sharepoint/v3/contenttype/forms">
   <Display>DocumentLibraryForm</Display>
   <Edit>DocumentLibraryForm</Edit>
   <New>DocumentLibraryForm</New>
 </FormTemplates>
-</file>
-
-<file path=customXml/item2.xml><?xml version="1.0" encoding="utf-8"?>
-<p:properties xmlns:p="http://schemas.microsoft.com/office/2006/metadata/properties" xmlns:xsi="http://www.w3.org/2001/XMLSchema-instance" xmlns:pc="http://schemas.microsoft.com/office/infopath/2007/PartnerControls">
-  <documentManagement>
-    <_ip_UnifiedCompliancePolicyUIAction xmlns="http://schemas.microsoft.com/sharepoint/v3" xsi:nil="true"/>
-    <_ip_UnifiedCompliancePolicyProperties xmlns="http://schemas.microsoft.com/sharepoint/v3" xsi:nil="true"/>
-  </documentManagement>
-</p:properties>
 </file>
 
 <file path=customXml/item3.xml><?xml version="1.0" encoding="utf-8"?>
@@ -7576,14 +7404,6 @@
 </file>
 
 <file path=customXml/itemProps1.xml><?xml version="1.0" encoding="utf-8"?>
-<ds:datastoreItem xmlns:ds="http://schemas.openxmlformats.org/officeDocument/2006/customXml" ds:itemID="{30ECC70E-6674-4337-B48B-AF4F8832F1E5}">
-  <ds:schemaRefs>
-    <ds:schemaRef ds:uri="http://schemas.microsoft.com/sharepoint/v3/contenttype/forms"/>
-  </ds:schemaRefs>
-</ds:datastoreItem>
-</file>
-
-<file path=customXml/itemProps2.xml><?xml version="1.0" encoding="utf-8"?>
 <ds:datastoreItem xmlns:ds="http://schemas.openxmlformats.org/officeDocument/2006/customXml" ds:itemID="{816B76F2-1AE1-4A2A-A5B3-D462CC5E81F8}">
   <ds:schemaRefs>
     <ds:schemaRef ds:uri="6dc4bcd6-49db-4c07-9060-8acfc67cef9f"/>
@@ -7597,6 +7417,14 @@
     <ds:schemaRef ds:uri="http://schemas.openxmlformats.org/package/2006/metadata/core-properties"/>
     <ds:schemaRef ds:uri="http://schemas.microsoft.com/office/infopath/2007/PartnerControls"/>
     <ds:schemaRef ds:uri="http://www.w3.org/XML/1998/namespace"/>
+  </ds:schemaRefs>
+</ds:datastoreItem>
+</file>
+
+<file path=customXml/itemProps2.xml><?xml version="1.0" encoding="utf-8"?>
+<ds:datastoreItem xmlns:ds="http://schemas.openxmlformats.org/officeDocument/2006/customXml" ds:itemID="{30ECC70E-6674-4337-B48B-AF4F8832F1E5}">
+  <ds:schemaRefs>
+    <ds:schemaRef ds:uri="http://schemas.microsoft.com/sharepoint/v3/contenttype/forms"/>
   </ds:schemaRefs>
 </ds:datastoreItem>
 </file>
